--- a/Titanic Business Analytics - Python Visualizations.pptx
+++ b/Titanic Business Analytics - Python Visualizations.pptx
@@ -5,10 +5,10 @@
     <p:sldMasterId id="2147483708" r:id="rId1"/>
   </p:sldMasterIdLst>
   <p:notesMasterIdLst>
-    <p:notesMasterId r:id="rId8"/>
+    <p:notesMasterId r:id="rId9"/>
   </p:notesMasterIdLst>
   <p:handoutMasterIdLst>
-    <p:handoutMasterId r:id="rId9"/>
+    <p:handoutMasterId r:id="rId10"/>
   </p:handoutMasterIdLst>
   <p:sldIdLst>
     <p:sldId id="264" r:id="rId2"/>
@@ -17,6 +17,7 @@
     <p:sldId id="269" r:id="rId5"/>
     <p:sldId id="275" r:id="rId6"/>
     <p:sldId id="274" r:id="rId7"/>
+    <p:sldId id="276" r:id="rId8"/>
   </p:sldIdLst>
   <p:sldSz cx="12192000" cy="6858000"/>
   <p:notesSz cx="6858000" cy="9144000"/>
@@ -208,7 +209,7 @@
           <a:p>
             <a:fld id="{D6E8870F-1A48-43A2-A007-2348C2B9745E}" type="datetimeFigureOut">
               <a:rPr lang="en-US" smtClean="0"/>
-              <a:t>5/18/2025</a:t>
+              <a:t>5/19/2025</a:t>
             </a:fld>
             <a:endParaRPr lang="en-US"/>
           </a:p>
@@ -373,7 +374,7 @@
           <a:p>
             <a:fld id="{80DBB9B0-4661-411B-B556-887633A3B128}" type="datetimeFigureOut">
               <a:rPr lang="en-US" smtClean="0"/>
-              <a:t>5/18/2025</a:t>
+              <a:t>5/19/2025</a:t>
             </a:fld>
             <a:endParaRPr lang="en-US"/>
           </a:p>
@@ -4482,6 +4483,47 @@
           <a:p>
             <a:endParaRPr lang="en-US" dirty="0"/>
           </a:p>
+          <a:p>
+            <a:pPr marL="0" marR="0" lvl="0" indent="0" algn="l" defTabSz="914400" rtl="0" eaLnBrk="1" fontAlgn="auto" latinLnBrk="0" hangingPunct="1">
+              <a:lnSpc>
+                <a:spcPct val="100000"/>
+              </a:lnSpc>
+              <a:spcBef>
+                <a:spcPts val="0"/>
+              </a:spcBef>
+              <a:spcAft>
+                <a:spcPts val="0"/>
+              </a:spcAft>
+              <a:buClrTx/>
+              <a:buSzTx/>
+              <a:buFontTx/>
+              <a:buNone/>
+              <a:tabLst/>
+              <a:defRPr/>
+            </a:pPr>
+            <a:r>
+              <a:rPr lang="en-US" sz="1200" dirty="0"/>
+              <a:t>Top Skills: Database, Analytics, Programming, Project Management, Innovation, Quality, Visualization</a:t>
+            </a:r>
+          </a:p>
+          <a:p>
+            <a:endParaRPr lang="en-US" dirty="0"/>
+          </a:p>
+          <a:p>
+            <a:r>
+              <a:rPr lang="en-US" dirty="0"/>
+              <a:t>My Why: I want my work to make an impact and provide a helpful tool that will be used to solve real-world business problems.</a:t>
+            </a:r>
+          </a:p>
+          <a:p>
+            <a:endParaRPr lang="en-US" dirty="0"/>
+          </a:p>
+          <a:p>
+            <a:r>
+              <a:rPr lang="en-US" dirty="0"/>
+              <a:t>Personal Value Statement: </a:t>
+            </a:r>
+          </a:p>
         </p:txBody>
       </p:sp>
       <p:sp>
@@ -4511,6 +4553,162 @@
     <p:extLst>
       <p:ext uri="{BB962C8B-B14F-4D97-AF65-F5344CB8AC3E}">
         <p14:creationId xmlns:p14="http://schemas.microsoft.com/office/powerpoint/2010/main" val="2833019478"/>
+      </p:ext>
+    </p:extLst>
+  </p:cSld>
+  <p:clrMapOvr>
+    <a:masterClrMapping/>
+  </p:clrMapOvr>
+</p:notes>
+</file>
+
+<file path=ppt/notesSlides/notesSlide7.xml><?xml version="1.0" encoding="utf-8"?>
+<p:notes xmlns:a="http://schemas.openxmlformats.org/drawingml/2006/main" xmlns:r="http://schemas.openxmlformats.org/officeDocument/2006/relationships" xmlns:p="http://schemas.openxmlformats.org/presentationml/2006/main">
+  <p:cSld>
+    <p:spTree>
+      <p:nvGrpSpPr>
+        <p:cNvPr id="1" name=""/>
+        <p:cNvGrpSpPr/>
+        <p:nvPr/>
+      </p:nvGrpSpPr>
+      <p:grpSpPr>
+        <a:xfrm>
+          <a:off x="0" y="0"/>
+          <a:ext cx="0" cy="0"/>
+          <a:chOff x="0" y="0"/>
+          <a:chExt cx="0" cy="0"/>
+        </a:xfrm>
+      </p:grpSpPr>
+      <p:sp>
+        <p:nvSpPr>
+          <p:cNvPr id="2" name="Slide Image Placeholder 1"/>
+          <p:cNvSpPr>
+            <a:spLocks noGrp="1" noRot="1" noChangeAspect="1"/>
+          </p:cNvSpPr>
+          <p:nvPr>
+            <p:ph type="sldImg"/>
+          </p:nvPr>
+        </p:nvSpPr>
+        <p:spPr/>
+      </p:sp>
+      <p:sp>
+        <p:nvSpPr>
+          <p:cNvPr id="3" name="Notes Placeholder 2"/>
+          <p:cNvSpPr>
+            <a:spLocks noGrp="1"/>
+          </p:cNvSpPr>
+          <p:nvPr>
+            <p:ph type="body" idx="1"/>
+          </p:nvPr>
+        </p:nvSpPr>
+        <p:spPr/>
+        <p:txBody>
+          <a:bodyPr/>
+          <a:lstStyle/>
+          <a:p>
+            <a:pPr>
+              <a:buNone/>
+            </a:pPr>
+            <a:r>
+              <a:rPr lang="en-US" b="1" dirty="0"/>
+              <a:t>Personal Values Statement</a:t>
+            </a:r>
+          </a:p>
+          <a:p>
+            <a:pPr>
+              <a:buNone/>
+            </a:pPr>
+            <a:endParaRPr lang="en-US" dirty="0"/>
+          </a:p>
+          <a:p>
+            <a:pPr>
+              <a:buNone/>
+            </a:pPr>
+            <a:r>
+              <a:rPr lang="en-US" dirty="0"/>
+              <a:t>Data-driven decision making paired with human insight is at the core of my professional philosophy. I believe in leveraging analytical precision while maintaining a compassionate approach to leadership and innovation.</a:t>
+            </a:r>
+          </a:p>
+          <a:p>
+            <a:pPr>
+              <a:buNone/>
+            </a:pPr>
+            <a:r>
+              <a:rPr lang="en-US" dirty="0"/>
+              <a:t>I value technical excellence and continuous learning, committing myself to mastering emerging database technologies and analytical methodologies. I embrace complexity as an opportunity to develop elegant solutions that drive business value.</a:t>
+            </a:r>
+          </a:p>
+          <a:p>
+            <a:pPr>
+              <a:buNone/>
+            </a:pPr>
+            <a:endParaRPr lang="en-US" dirty="0"/>
+          </a:p>
+          <a:p>
+            <a:pPr>
+              <a:buNone/>
+            </a:pPr>
+            <a:r>
+              <a:rPr lang="en-US" dirty="0"/>
+              <a:t>Transparent communication is fundamental to my approach, ensuring that technical insights are translated into actionable knowledge for all stakeholders. I champion ethical data practices, respecting both privacy and the power of information to transform organizations.</a:t>
+            </a:r>
+          </a:p>
+          <a:p>
+            <a:pPr>
+              <a:buNone/>
+            </a:pPr>
+            <a:endParaRPr lang="en-US" dirty="0"/>
+          </a:p>
+          <a:p>
+            <a:pPr>
+              <a:buNone/>
+            </a:pPr>
+            <a:r>
+              <a:rPr lang="en-US" dirty="0"/>
+              <a:t>As a leader, I foster collaborative environments where diverse perspectives enhance our collective problem-solving capabilities. I believe innovation thrives when team members feel empowered to contribute their unique expertise.</a:t>
+            </a:r>
+          </a:p>
+          <a:p>
+            <a:pPr>
+              <a:buNone/>
+            </a:pPr>
+            <a:r>
+              <a:rPr lang="en-US" dirty="0"/>
+              <a:t>I am committed to delivering measurable results while maintaining unwavering integrity in all aspects of my work. My ultimate aim is to create sustainable systems and processes that adapt to changing needs while consistently delivering excellence.</a:t>
+            </a:r>
+          </a:p>
+          <a:p>
+            <a:endParaRPr lang="en-US" dirty="0"/>
+          </a:p>
+        </p:txBody>
+      </p:sp>
+      <p:sp>
+        <p:nvSpPr>
+          <p:cNvPr id="4" name="Slide Number Placeholder 3"/>
+          <p:cNvSpPr>
+            <a:spLocks noGrp="1"/>
+          </p:cNvSpPr>
+          <p:nvPr>
+            <p:ph type="sldNum" sz="quarter" idx="5"/>
+          </p:nvPr>
+        </p:nvSpPr>
+        <p:spPr/>
+        <p:txBody>
+          <a:bodyPr/>
+          <a:lstStyle/>
+          <a:p>
+            <a:fld id="{C24F3E57-140F-42E5-ACA7-3B197A5F54F0}" type="slidenum">
+              <a:rPr lang="en-US" smtClean="0"/>
+              <a:t>7</a:t>
+            </a:fld>
+            <a:endParaRPr lang="en-US"/>
+          </a:p>
+        </p:txBody>
+      </p:sp>
+    </p:spTree>
+    <p:extLst>
+      <p:ext uri="{BB962C8B-B14F-4D97-AF65-F5344CB8AC3E}">
+        <p14:creationId xmlns:p14="http://schemas.microsoft.com/office/powerpoint/2010/main" val="2958532710"/>
       </p:ext>
     </p:extLst>
   </p:cSld>
@@ -4699,7 +4897,7 @@
           <a:p>
             <a:fld id="{265B2A9E-FA78-4A40-988A-1CE830CDEED2}" type="datetime1">
               <a:rPr lang="en-US" smtClean="0"/>
-              <a:t>5/18/2025</a:t>
+              <a:t>5/19/2025</a:t>
             </a:fld>
             <a:endParaRPr lang="en-US"/>
           </a:p>
@@ -4934,7 +5132,7 @@
           <a:p>
             <a:fld id="{192A044C-D33A-4646-9F43-140BF7C29466}" type="datetime1">
               <a:rPr lang="en-US" smtClean="0"/>
-              <a:t>5/18/2025</a:t>
+              <a:t>5/19/2025</a:t>
             </a:fld>
             <a:endParaRPr lang="en-US"/>
           </a:p>
@@ -5179,7 +5377,7 @@
           <a:p>
             <a:fld id="{68F8761A-AF70-4876-A6F0-1286775C4F08}" type="datetime1">
               <a:rPr lang="en-US" smtClean="0"/>
-              <a:t>5/18/2025</a:t>
+              <a:t>5/19/2025</a:t>
             </a:fld>
             <a:endParaRPr lang="en-US"/>
           </a:p>
@@ -5415,7 +5613,7 @@
           <a:p>
             <a:fld id="{3C1596B4-361F-43A8-B168-DA893180BFB8}" type="datetime1">
               <a:rPr lang="en-US" smtClean="0"/>
-              <a:t>5/18/2025</a:t>
+              <a:t>5/19/2025</a:t>
             </a:fld>
             <a:endParaRPr lang="en-US"/>
           </a:p>
@@ -5657,7 +5855,7 @@
           <a:p>
             <a:fld id="{41B625F6-6FC2-4B0A-BA54-6199C805DC6A}" type="datetime1">
               <a:rPr lang="en-US" smtClean="0"/>
-              <a:t>5/18/2025</a:t>
+              <a:t>5/19/2025</a:t>
             </a:fld>
             <a:endParaRPr lang="en-US"/>
           </a:p>
@@ -6027,7 +6225,7 @@
           <a:p>
             <a:fld id="{290691E0-6248-44D5-A750-839F2D339198}" type="datetime1">
               <a:rPr lang="en-US" smtClean="0"/>
-              <a:t>5/18/2025</a:t>
+              <a:t>5/19/2025</a:t>
             </a:fld>
             <a:endParaRPr lang="en-US"/>
           </a:p>
@@ -6505,7 +6703,7 @@
           <a:p>
             <a:fld id="{E1F8FECA-DDCC-464F-B9A8-47361C66BB75}" type="datetime1">
               <a:rPr lang="en-US" smtClean="0"/>
-              <a:t>5/18/2025</a:t>
+              <a:t>5/19/2025</a:t>
             </a:fld>
             <a:endParaRPr lang="en-US"/>
           </a:p>
@@ -6663,7 +6861,7 @@
           <a:p>
             <a:fld id="{DDD018D0-BDA9-4E9F-8870-250C3889579F}" type="datetime1">
               <a:rPr lang="en-US" smtClean="0"/>
-              <a:t>5/18/2025</a:t>
+              <a:t>5/19/2025</a:t>
             </a:fld>
             <a:endParaRPr lang="en-US"/>
           </a:p>
@@ -6761,7 +6959,7 @@
           <a:p>
             <a:fld id="{288503B1-0D5A-42BC-A128-61B2437864A1}" type="datetime1">
               <a:rPr lang="en-US" smtClean="0"/>
-              <a:t>5/18/2025</a:t>
+              <a:t>5/19/2025</a:t>
             </a:fld>
             <a:endParaRPr lang="en-US"/>
           </a:p>
@@ -7080,7 +7278,7 @@
           <a:p>
             <a:fld id="{D9FAE372-5FD4-4FFB-A5DD-C7C4DBD88187}" type="datetime1">
               <a:rPr lang="en-US" smtClean="0"/>
-              <a:t>5/18/2025</a:t>
+              <a:t>5/19/2025</a:t>
             </a:fld>
             <a:endParaRPr lang="en-US"/>
           </a:p>
@@ -7432,7 +7630,7 @@
           <a:p>
             <a:fld id="{CC4F1B37-C5DC-405E-883E-319F886D767C}" type="datetime1">
               <a:rPr lang="en-US" smtClean="0"/>
-              <a:t>5/18/2025</a:t>
+              <a:t>5/19/2025</a:t>
             </a:fld>
             <a:endParaRPr lang="en-US"/>
           </a:p>
@@ -7776,7 +7974,7 @@
             <a:fld id="{D48ACC58-83F3-4B99-B532-0249FFBF33C7}" type="datetime1">
               <a:rPr lang="en-US" smtClean="0"/>
               <a:pPr/>
-              <a:t>5/18/2025</a:t>
+              <a:t>5/19/2025</a:t>
             </a:fld>
             <a:endParaRPr lang="en-US"/>
           </a:p>
@@ -8712,8 +8910,8 @@
         </p:nvSpPr>
         <p:spPr>
           <a:xfrm>
-            <a:off x="1450309" y="2006005"/>
-            <a:ext cx="4745067" cy="3913059"/>
+            <a:off x="985089" y="2006005"/>
+            <a:ext cx="5008347" cy="2805063"/>
           </a:xfrm>
           <a:prstGeom prst="rect">
             <a:avLst/>
@@ -8745,50 +8943,15 @@
             </a:pPr>
             <a:r>
               <a:rPr lang="en-US" sz="2400" dirty="0"/>
-              <a:t>Python</a:t>
-            </a:r>
-          </a:p>
-          <a:p>
-            <a:pPr marL="342900" indent="-342900" algn="l">
-              <a:lnSpc>
-                <a:spcPct val="150000"/>
-              </a:lnSpc>
-              <a:buFont typeface="Arial" panose="020B0604020202020204" pitchFamily="34" charset="0"/>
-              <a:buChar char="•"/>
-            </a:pPr>
+              <a:t>Python, </a:t>
+            </a:r>
             <a:r>
               <a:rPr lang="en-US" sz="2400" dirty="0" err="1"/>
               <a:t>Numpy</a:t>
             </a:r>
             <a:r>
               <a:rPr lang="en-US" sz="2400" dirty="0"/>
-              <a:t> </a:t>
-            </a:r>
-          </a:p>
-          <a:p>
-            <a:pPr marL="342900" indent="-342900" algn="l">
-              <a:lnSpc>
-                <a:spcPct val="150000"/>
-              </a:lnSpc>
-              <a:buFont typeface="Arial" panose="020B0604020202020204" pitchFamily="34" charset="0"/>
-              <a:buChar char="•"/>
-            </a:pPr>
-            <a:r>
-              <a:rPr lang="en-US" sz="2400" dirty="0"/>
-              <a:t>pandas</a:t>
-            </a:r>
-          </a:p>
-          <a:p>
-            <a:pPr marL="342900" indent="-342900" algn="l">
-              <a:lnSpc>
-                <a:spcPct val="150000"/>
-              </a:lnSpc>
-              <a:buFont typeface="Arial" panose="020B0604020202020204" pitchFamily="34" charset="0"/>
-              <a:buChar char="•"/>
-            </a:pPr>
-            <a:r>
-              <a:rPr lang="en-US" sz="2400" dirty="0"/>
-              <a:t>Matplotlib</a:t>
+              <a:t>, pandas, Matplotlib</a:t>
             </a:r>
           </a:p>
           <a:p>
@@ -8800,8 +8963,24 @@
               <a:buChar char="•"/>
             </a:pPr>
             <a:r>
+              <a:rPr lang="en-US" sz="2400" dirty="0">
+                <a:hlinkClick r:id="rId5"/>
+              </a:rPr>
+              <a:t>https://codesignal.com</a:t>
+            </a:r>
+            <a:endParaRPr lang="en-US" sz="2400" dirty="0"/>
+          </a:p>
+          <a:p>
+            <a:pPr marL="342900" indent="-342900">
+              <a:lnSpc>
+                <a:spcPct val="150000"/>
+              </a:lnSpc>
+              <a:buFont typeface="Arial" panose="020B0604020202020204" pitchFamily="34" charset="0"/>
+              <a:buChar char="•"/>
+            </a:pPr>
+            <a:r>
               <a:rPr lang="en-US" sz="2400" dirty="0"/>
-              <a:t>https://codesignal.com</a:t>
+              <a:t>Clauda AI  https://claude.ai/</a:t>
             </a:r>
           </a:p>
         </p:txBody>
@@ -8854,7 +9033,7 @@
                 </a:solidFill>
                 <a:effectLst/>
                 <a:latin typeface="-apple-system"/>
-                <a:hlinkClick r:id="rId5"/>
+                <a:hlinkClick r:id="rId6"/>
               </a:rPr>
               <a:t>https://doi.org/10.21105/joss.03021</a:t>
             </a:r>
@@ -9488,15 +9667,831 @@
             </a:pPr>
             <a:r>
               <a:rPr lang="en-US" sz="3600" dirty="0"/>
-              <a:t>   Email: winters2nd@gmail.com</a:t>
-            </a:r>
+              <a:t>   Email: </a:t>
+            </a:r>
+            <a:r>
+              <a:rPr lang="en-US" sz="3600" dirty="0">
+                <a:hlinkClick r:id="rId3"/>
+              </a:rPr>
+              <a:t>winters2nd@gmail.com</a:t>
+            </a:r>
+            <a:endParaRPr lang="en-US" sz="3600" dirty="0"/>
+          </a:p>
+          <a:p>
+            <a:pPr marL="0" indent="0">
+              <a:buNone/>
+            </a:pPr>
+            <a:r>
+              <a:rPr lang="en-US" sz="3600" dirty="0"/>
+              <a:t>Top Skills: Database, Analytics, Programming, Project Management, Innovation, Quality, Visualization</a:t>
+            </a:r>
+          </a:p>
+          <a:p>
+            <a:pPr marL="0" indent="0">
+              <a:buNone/>
+            </a:pPr>
+            <a:endParaRPr lang="en-US" sz="3600" dirty="0"/>
+          </a:p>
+          <a:p>
+            <a:pPr marL="0" indent="0">
+              <a:buNone/>
+            </a:pPr>
+            <a:endParaRPr lang="en-US" sz="3600" dirty="0"/>
           </a:p>
         </p:txBody>
       </p:sp>
+      <p:pic>
+        <p:nvPicPr>
+          <p:cNvPr id="5" name="Picture 4" descr="A person standing in a park&#10;&#10;AI-generated content may be incorrect.">
+            <a:extLst>
+              <a:ext uri="{FF2B5EF4-FFF2-40B4-BE49-F238E27FC236}">
+                <a16:creationId xmlns:a16="http://schemas.microsoft.com/office/drawing/2014/main" id="{0AE027CB-4007-49E7-EDF0-382175FA5247}"/>
+              </a:ext>
+            </a:extLst>
+          </p:cNvPr>
+          <p:cNvPicPr>
+            <a:picLocks noChangeAspect="1"/>
+          </p:cNvPicPr>
+          <p:nvPr/>
+        </p:nvPicPr>
+        <p:blipFill>
+          <a:blip r:embed="rId4" cstate="print">
+            <a:extLst>
+              <a:ext uri="{28A0092B-C50C-407E-A947-70E740481C1C}">
+                <a14:useLocalDpi xmlns:a14="http://schemas.microsoft.com/office/drawing/2010/main" val="0"/>
+              </a:ext>
+            </a:extLst>
+          </a:blip>
+          <a:stretch>
+            <a:fillRect/>
+          </a:stretch>
+        </p:blipFill>
+        <p:spPr>
+          <a:xfrm rot="5400000">
+            <a:off x="7315200" y="707095"/>
+            <a:ext cx="3039979" cy="2279984"/>
+          </a:xfrm>
+          <a:prstGeom prst="rect">
+            <a:avLst/>
+          </a:prstGeom>
+        </p:spPr>
+      </p:pic>
     </p:spTree>
     <p:extLst>
       <p:ext uri="{BB962C8B-B14F-4D97-AF65-F5344CB8AC3E}">
         <p14:creationId xmlns:p14="http://schemas.microsoft.com/office/powerpoint/2010/main" val="164275780"/>
+      </p:ext>
+    </p:extLst>
+  </p:cSld>
+  <p:clrMapOvr>
+    <a:masterClrMapping/>
+  </p:clrMapOvr>
+</p:sld>
+</file>
+
+<file path=ppt/slides/slide7.xml><?xml version="1.0" encoding="utf-8"?>
+<p:sld xmlns:a="http://schemas.openxmlformats.org/drawingml/2006/main" xmlns:r="http://schemas.openxmlformats.org/officeDocument/2006/relationships" xmlns:p="http://schemas.openxmlformats.org/presentationml/2006/main">
+  <p:cSld>
+    <p:spTree>
+      <p:nvGrpSpPr>
+        <p:cNvPr id="1" name=""/>
+        <p:cNvGrpSpPr/>
+        <p:nvPr/>
+      </p:nvGrpSpPr>
+      <p:grpSpPr>
+        <a:xfrm>
+          <a:off x="0" y="0"/>
+          <a:ext cx="0" cy="0"/>
+          <a:chOff x="0" y="0"/>
+          <a:chExt cx="0" cy="0"/>
+        </a:xfrm>
+      </p:grpSpPr>
+      <p:sp>
+        <p:nvSpPr>
+          <p:cNvPr id="4" name="Title 3">
+            <a:extLst>
+              <a:ext uri="{FF2B5EF4-FFF2-40B4-BE49-F238E27FC236}">
+                <a16:creationId xmlns:a16="http://schemas.microsoft.com/office/drawing/2014/main" id="{BCF17358-B444-7B77-BCA5-663C795CA682}"/>
+              </a:ext>
+            </a:extLst>
+          </p:cNvPr>
+          <p:cNvSpPr>
+            <a:spLocks noGrp="1"/>
+          </p:cNvSpPr>
+          <p:nvPr>
+            <p:ph type="title"/>
+          </p:nvPr>
+        </p:nvSpPr>
+        <p:spPr>
+          <a:xfrm>
+            <a:off x="1104900" y="4894121"/>
+            <a:ext cx="9067800" cy="752696"/>
+          </a:xfrm>
+        </p:spPr>
+        <p:txBody>
+          <a:bodyPr/>
+          <a:lstStyle/>
+          <a:p>
+            <a:r>
+              <a:rPr lang="en-US" dirty="0"/>
+              <a:t>Skills</a:t>
+            </a:r>
+          </a:p>
+        </p:txBody>
+      </p:sp>
+      <p:sp>
+        <p:nvSpPr>
+          <p:cNvPr id="5" name="Text Placeholder 4">
+            <a:extLst>
+              <a:ext uri="{FF2B5EF4-FFF2-40B4-BE49-F238E27FC236}">
+                <a16:creationId xmlns:a16="http://schemas.microsoft.com/office/drawing/2014/main" id="{5EB78080-4B43-2525-176A-62C4FC32DB15}"/>
+              </a:ext>
+            </a:extLst>
+          </p:cNvPr>
+          <p:cNvSpPr>
+            <a:spLocks noGrp="1"/>
+          </p:cNvSpPr>
+          <p:nvPr>
+            <p:ph type="body" idx="1"/>
+          </p:nvPr>
+        </p:nvSpPr>
+        <p:spPr>
+          <a:xfrm>
+            <a:off x="1104900" y="5576196"/>
+            <a:ext cx="9067800" cy="960678"/>
+          </a:xfrm>
+        </p:spPr>
+        <p:txBody>
+          <a:bodyPr/>
+          <a:lstStyle/>
+          <a:p>
+            <a:r>
+              <a:rPr lang="en-US" sz="2400" dirty="0"/>
+              <a:t>Top Notch Skills: Database, Analytics, Programming, Project Management, Innovation, Quality</a:t>
+            </a:r>
+          </a:p>
+          <a:p>
+            <a:endParaRPr lang="en-US" dirty="0"/>
+          </a:p>
+        </p:txBody>
+      </p:sp>
+      <p:sp>
+        <p:nvSpPr>
+          <p:cNvPr id="6" name="Title 3">
+            <a:extLst>
+              <a:ext uri="{FF2B5EF4-FFF2-40B4-BE49-F238E27FC236}">
+                <a16:creationId xmlns:a16="http://schemas.microsoft.com/office/drawing/2014/main" id="{2E9A4559-8B3B-38BB-0BD7-0D1335B42500}"/>
+              </a:ext>
+            </a:extLst>
+          </p:cNvPr>
+          <p:cNvSpPr txBox="1">
+            <a:spLocks/>
+          </p:cNvSpPr>
+          <p:nvPr/>
+        </p:nvSpPr>
+        <p:spPr>
+          <a:xfrm>
+            <a:off x="1120944" y="217855"/>
+            <a:ext cx="9204156" cy="543089"/>
+          </a:xfrm>
+          <a:prstGeom prst="rect">
+            <a:avLst/>
+          </a:prstGeom>
+          <a:ln>
+            <a:noFill/>
+          </a:ln>
+        </p:spPr>
+        <p:txBody>
+          <a:bodyPr vert="horz" lIns="0" tIns="0" rIns="0" bIns="0" anchor="b">
+            <a:noAutofit/>
+            <a:scene3d>
+              <a:camera prst="orthographicFront"/>
+              <a:lightRig rig="freezing" dir="t">
+                <a:rot lat="0" lon="0" rev="5640000"/>
+              </a:lightRig>
+            </a:scene3d>
+            <a:sp3d prstMaterial="flat">
+              <a:bevelT w="38100" h="38100"/>
+            </a:sp3d>
+          </a:bodyPr>
+          <a:lstStyle>
+            <a:lvl1pPr algn="l" rtl="0" eaLnBrk="1" latinLnBrk="0" hangingPunct="1">
+              <a:spcBef>
+                <a:spcPct val="0"/>
+              </a:spcBef>
+              <a:buNone/>
+              <a:defRPr kumimoji="0" lang="en-US" sz="4800" b="1" kern="1200" cap="none" baseline="0" dirty="0">
+                <a:ln w="635">
+                  <a:noFill/>
+                </a:ln>
+                <a:solidFill>
+                  <a:schemeClr val="tx2"/>
+                </a:solidFill>
+                <a:effectLst>
+                  <a:outerShdw blurRad="38100" dist="25400" dir="5400000" algn="tl" rotWithShape="0">
+                    <a:srgbClr val="000000">
+                      <a:alpha val="43000"/>
+                    </a:srgbClr>
+                  </a:outerShdw>
+                </a:effectLst>
+                <a:latin typeface="+mj-lt"/>
+                <a:ea typeface="+mj-ea"/>
+                <a:cs typeface="+mj-cs"/>
+              </a:defRPr>
+            </a:lvl1pPr>
+          </a:lstStyle>
+          <a:p>
+            <a:r>
+              <a:rPr lang="en-US" dirty="0"/>
+              <a:t>Why?</a:t>
+            </a:r>
+          </a:p>
+        </p:txBody>
+      </p:sp>
+      <p:sp>
+        <p:nvSpPr>
+          <p:cNvPr id="7" name="Text Placeholder 4">
+            <a:extLst>
+              <a:ext uri="{FF2B5EF4-FFF2-40B4-BE49-F238E27FC236}">
+                <a16:creationId xmlns:a16="http://schemas.microsoft.com/office/drawing/2014/main" id="{BE3AFA42-8C00-ACFF-4F5E-FE3E7F8630F2}"/>
+              </a:ext>
+            </a:extLst>
+          </p:cNvPr>
+          <p:cNvSpPr txBox="1">
+            <a:spLocks/>
+          </p:cNvSpPr>
+          <p:nvPr/>
+        </p:nvSpPr>
+        <p:spPr>
+          <a:xfrm>
+            <a:off x="1104900" y="843497"/>
+            <a:ext cx="9204156" cy="1088230"/>
+          </a:xfrm>
+          <a:prstGeom prst="rect">
+            <a:avLst/>
+          </a:prstGeom>
+        </p:spPr>
+        <p:txBody>
+          <a:bodyPr vert="horz" lIns="45720" rIns="45720" anchor="t">
+            <a:noAutofit/>
+          </a:bodyPr>
+          <a:lstStyle>
+            <a:lvl1pPr marL="0" indent="0" algn="l" rtl="0" eaLnBrk="1" latinLnBrk="0" hangingPunct="1">
+              <a:spcBef>
+                <a:spcPct val="20000"/>
+              </a:spcBef>
+              <a:buClr>
+                <a:schemeClr val="accent3">
+                  <a:lumMod val="50000"/>
+                </a:schemeClr>
+              </a:buClr>
+              <a:buSzPct val="95000"/>
+              <a:buFont typeface="Wingdings 2"/>
+              <a:buNone/>
+              <a:defRPr kumimoji="0" sz="2200" kern="1200">
+                <a:solidFill>
+                  <a:schemeClr val="tx2"/>
+                </a:solidFill>
+                <a:latin typeface="+mn-lt"/>
+                <a:ea typeface="+mn-ea"/>
+                <a:cs typeface="+mn-cs"/>
+              </a:defRPr>
+            </a:lvl1pPr>
+            <a:lvl2pPr marL="640080" indent="-246888" algn="l" rtl="0" eaLnBrk="1" latinLnBrk="0" hangingPunct="1">
+              <a:spcBef>
+                <a:spcPct val="20000"/>
+              </a:spcBef>
+              <a:buClr>
+                <a:schemeClr val="accent1">
+                  <a:lumMod val="50000"/>
+                </a:schemeClr>
+              </a:buClr>
+              <a:buSzPct val="85000"/>
+              <a:buFont typeface="Wingdings 2"/>
+              <a:buNone/>
+              <a:defRPr kumimoji="0" sz="1800" kern="1200">
+                <a:solidFill>
+                  <a:schemeClr val="tx1">
+                    <a:tint val="75000"/>
+                  </a:schemeClr>
+                </a:solidFill>
+                <a:latin typeface="+mn-lt"/>
+                <a:ea typeface="+mn-ea"/>
+                <a:cs typeface="+mn-cs"/>
+              </a:defRPr>
+            </a:lvl2pPr>
+            <a:lvl3pPr marL="914400" indent="-246888" algn="l" rtl="0" eaLnBrk="1" latinLnBrk="0" hangingPunct="1">
+              <a:spcBef>
+                <a:spcPct val="20000"/>
+              </a:spcBef>
+              <a:buClr>
+                <a:schemeClr val="accent2">
+                  <a:lumMod val="50000"/>
+                </a:schemeClr>
+              </a:buClr>
+              <a:buSzPct val="70000"/>
+              <a:buFont typeface="Wingdings 2"/>
+              <a:buNone/>
+              <a:defRPr kumimoji="0" sz="1600" kern="1200">
+                <a:solidFill>
+                  <a:schemeClr val="tx1">
+                    <a:tint val="75000"/>
+                  </a:schemeClr>
+                </a:solidFill>
+                <a:latin typeface="+mn-lt"/>
+                <a:ea typeface="+mn-ea"/>
+                <a:cs typeface="+mn-cs"/>
+              </a:defRPr>
+            </a:lvl3pPr>
+            <a:lvl4pPr marL="1188720" indent="-210312" algn="l" rtl="0" eaLnBrk="1" latinLnBrk="0" hangingPunct="1">
+              <a:spcBef>
+                <a:spcPct val="20000"/>
+              </a:spcBef>
+              <a:buClr>
+                <a:schemeClr val="accent3">
+                  <a:lumMod val="50000"/>
+                </a:schemeClr>
+              </a:buClr>
+              <a:buSzPct val="65000"/>
+              <a:buFont typeface="Wingdings 2"/>
+              <a:buNone/>
+              <a:defRPr kumimoji="0" sz="1400" kern="1200">
+                <a:solidFill>
+                  <a:schemeClr val="tx1">
+                    <a:tint val="75000"/>
+                  </a:schemeClr>
+                </a:solidFill>
+                <a:latin typeface="+mn-lt"/>
+                <a:ea typeface="+mn-ea"/>
+                <a:cs typeface="+mn-cs"/>
+              </a:defRPr>
+            </a:lvl4pPr>
+            <a:lvl5pPr marL="1463040" indent="-210312" algn="l" rtl="0" eaLnBrk="1" latinLnBrk="0" hangingPunct="1">
+              <a:spcBef>
+                <a:spcPct val="20000"/>
+              </a:spcBef>
+              <a:buClr>
+                <a:schemeClr val="accent4">
+                  <a:lumMod val="50000"/>
+                </a:schemeClr>
+              </a:buClr>
+              <a:buSzPct val="65000"/>
+              <a:buFont typeface="Wingdings 2"/>
+              <a:buNone/>
+              <a:defRPr kumimoji="0" sz="1400" kern="1200">
+                <a:solidFill>
+                  <a:schemeClr val="tx1">
+                    <a:tint val="75000"/>
+                  </a:schemeClr>
+                </a:solidFill>
+                <a:latin typeface="+mn-lt"/>
+                <a:ea typeface="+mn-ea"/>
+                <a:cs typeface="+mn-cs"/>
+              </a:defRPr>
+            </a:lvl5pPr>
+            <a:lvl6pPr marL="1737360" indent="-210312" algn="l" rtl="0" eaLnBrk="1" latinLnBrk="0" hangingPunct="1">
+              <a:spcBef>
+                <a:spcPct val="20000"/>
+              </a:spcBef>
+              <a:buClr>
+                <a:schemeClr val="accent5">
+                  <a:lumMod val="50000"/>
+                </a:schemeClr>
+              </a:buClr>
+              <a:buSzPct val="80000"/>
+              <a:buFont typeface="Wingdings 2"/>
+              <a:buChar char=""/>
+              <a:defRPr kumimoji="0" sz="1800" kern="1200">
+                <a:solidFill>
+                  <a:schemeClr val="tx1"/>
+                </a:solidFill>
+                <a:latin typeface="+mn-lt"/>
+                <a:ea typeface="+mn-ea"/>
+                <a:cs typeface="+mn-cs"/>
+              </a:defRPr>
+            </a:lvl6pPr>
+            <a:lvl7pPr marL="1920240" indent="-182880" algn="l" rtl="0" eaLnBrk="1" latinLnBrk="0" hangingPunct="1">
+              <a:spcBef>
+                <a:spcPct val="20000"/>
+              </a:spcBef>
+              <a:buClr>
+                <a:schemeClr val="accent6">
+                  <a:lumMod val="50000"/>
+                </a:schemeClr>
+              </a:buClr>
+              <a:buSzPct val="80000"/>
+              <a:buFont typeface="Wingdings 2"/>
+              <a:buChar char=""/>
+              <a:defRPr kumimoji="0" sz="1600" kern="1200" baseline="0">
+                <a:solidFill>
+                  <a:schemeClr val="tx1"/>
+                </a:solidFill>
+                <a:latin typeface="+mn-lt"/>
+                <a:ea typeface="+mn-ea"/>
+                <a:cs typeface="+mn-cs"/>
+              </a:defRPr>
+            </a:lvl7pPr>
+            <a:lvl8pPr marL="2194560" indent="-182880" algn="l" rtl="0" eaLnBrk="1" latinLnBrk="0" hangingPunct="1">
+              <a:spcBef>
+                <a:spcPct val="20000"/>
+              </a:spcBef>
+              <a:buClr>
+                <a:schemeClr val="tx2"/>
+              </a:buClr>
+              <a:buChar char="•"/>
+              <a:defRPr kumimoji="0" sz="1600" kern="1200">
+                <a:solidFill>
+                  <a:schemeClr val="tx1"/>
+                </a:solidFill>
+                <a:latin typeface="+mn-lt"/>
+                <a:ea typeface="+mn-ea"/>
+                <a:cs typeface="+mn-cs"/>
+              </a:defRPr>
+            </a:lvl8pPr>
+            <a:lvl9pPr marL="2468880" indent="-182880" algn="l" rtl="0" eaLnBrk="1" latinLnBrk="0" hangingPunct="1">
+              <a:spcBef>
+                <a:spcPct val="20000"/>
+              </a:spcBef>
+              <a:buClr>
+                <a:schemeClr val="tx2"/>
+              </a:buClr>
+              <a:buFontTx/>
+              <a:buChar char="•"/>
+              <a:defRPr kumimoji="0" sz="1400" kern="1200" baseline="0">
+                <a:solidFill>
+                  <a:schemeClr val="tx1"/>
+                </a:solidFill>
+                <a:latin typeface="+mn-lt"/>
+                <a:ea typeface="+mn-ea"/>
+                <a:cs typeface="+mn-cs"/>
+              </a:defRPr>
+            </a:lvl9pPr>
+          </a:lstStyle>
+          <a:p>
+            <a:r>
+              <a:rPr lang="en-US" sz="2400" dirty="0"/>
+              <a:t>My Why: I want my work to make an impact and provide a helpful tool that will be used to solve real-world.</a:t>
+            </a:r>
+            <a:r>
+              <a:rPr lang="en-US" sz="2000" dirty="0"/>
+              <a:t> </a:t>
+            </a:r>
+            <a:endParaRPr lang="en-US" sz="2400" dirty="0"/>
+          </a:p>
+        </p:txBody>
+      </p:sp>
+      <p:sp>
+        <p:nvSpPr>
+          <p:cNvPr id="8" name="Title 3">
+            <a:extLst>
+              <a:ext uri="{FF2B5EF4-FFF2-40B4-BE49-F238E27FC236}">
+                <a16:creationId xmlns:a16="http://schemas.microsoft.com/office/drawing/2014/main" id="{B8A31956-3F7F-E3B2-6846-6637F361F54B}"/>
+              </a:ext>
+            </a:extLst>
+          </p:cNvPr>
+          <p:cNvSpPr txBox="1">
+            <a:spLocks/>
+          </p:cNvSpPr>
+          <p:nvPr/>
+        </p:nvSpPr>
+        <p:spPr>
+          <a:xfrm>
+            <a:off x="1120944" y="2215091"/>
+            <a:ext cx="9067800" cy="543089"/>
+          </a:xfrm>
+          <a:prstGeom prst="rect">
+            <a:avLst/>
+          </a:prstGeom>
+          <a:ln>
+            <a:noFill/>
+          </a:ln>
+        </p:spPr>
+        <p:txBody>
+          <a:bodyPr vert="horz" lIns="0" tIns="0" rIns="0" bIns="0" anchor="b">
+            <a:noAutofit/>
+            <a:scene3d>
+              <a:camera prst="orthographicFront"/>
+              <a:lightRig rig="freezing" dir="t">
+                <a:rot lat="0" lon="0" rev="5640000"/>
+              </a:lightRig>
+            </a:scene3d>
+            <a:sp3d prstMaterial="flat">
+              <a:bevelT w="38100" h="38100"/>
+            </a:sp3d>
+          </a:bodyPr>
+          <a:lstStyle>
+            <a:lvl1pPr algn="l" rtl="0" eaLnBrk="1" latinLnBrk="0" hangingPunct="1">
+              <a:spcBef>
+                <a:spcPct val="0"/>
+              </a:spcBef>
+              <a:buNone/>
+              <a:defRPr kumimoji="0" lang="en-US" sz="4800" b="1" kern="1200" cap="none" baseline="0" dirty="0">
+                <a:ln w="635">
+                  <a:noFill/>
+                </a:ln>
+                <a:solidFill>
+                  <a:schemeClr val="tx2"/>
+                </a:solidFill>
+                <a:effectLst>
+                  <a:outerShdw blurRad="38100" dist="25400" dir="5400000" algn="tl" rotWithShape="0">
+                    <a:srgbClr val="000000">
+                      <a:alpha val="43000"/>
+                    </a:srgbClr>
+                  </a:outerShdw>
+                </a:effectLst>
+                <a:latin typeface="+mj-lt"/>
+                <a:ea typeface="+mj-ea"/>
+                <a:cs typeface="+mj-cs"/>
+              </a:defRPr>
+            </a:lvl1pPr>
+          </a:lstStyle>
+          <a:p>
+            <a:r>
+              <a:rPr lang="en-US" dirty="0"/>
+              <a:t>Value Statement</a:t>
+            </a:r>
+          </a:p>
+        </p:txBody>
+      </p:sp>
+      <p:sp>
+        <p:nvSpPr>
+          <p:cNvPr id="9" name="Text Placeholder 4">
+            <a:extLst>
+              <a:ext uri="{FF2B5EF4-FFF2-40B4-BE49-F238E27FC236}">
+                <a16:creationId xmlns:a16="http://schemas.microsoft.com/office/drawing/2014/main" id="{AF8C3C5D-2534-33F6-A906-190C61139F16}"/>
+              </a:ext>
+            </a:extLst>
+          </p:cNvPr>
+          <p:cNvSpPr txBox="1">
+            <a:spLocks/>
+          </p:cNvSpPr>
+          <p:nvPr/>
+        </p:nvSpPr>
+        <p:spPr>
+          <a:xfrm>
+            <a:off x="1120944" y="3041544"/>
+            <a:ext cx="9067800" cy="1089294"/>
+          </a:xfrm>
+          <a:prstGeom prst="rect">
+            <a:avLst/>
+          </a:prstGeom>
+        </p:spPr>
+        <p:txBody>
+          <a:bodyPr vert="horz" lIns="45720" rIns="45720" anchor="t">
+            <a:noAutofit/>
+          </a:bodyPr>
+          <a:lstStyle>
+            <a:lvl1pPr marL="0" indent="0" algn="l" rtl="0" eaLnBrk="1" latinLnBrk="0" hangingPunct="1">
+              <a:spcBef>
+                <a:spcPct val="20000"/>
+              </a:spcBef>
+              <a:buClr>
+                <a:schemeClr val="accent3">
+                  <a:lumMod val="50000"/>
+                </a:schemeClr>
+              </a:buClr>
+              <a:buSzPct val="95000"/>
+              <a:buFont typeface="Wingdings 2"/>
+              <a:buNone/>
+              <a:defRPr kumimoji="0" sz="2200" kern="1200">
+                <a:solidFill>
+                  <a:schemeClr val="tx2"/>
+                </a:solidFill>
+                <a:latin typeface="+mn-lt"/>
+                <a:ea typeface="+mn-ea"/>
+                <a:cs typeface="+mn-cs"/>
+              </a:defRPr>
+            </a:lvl1pPr>
+            <a:lvl2pPr marL="640080" indent="-246888" algn="l" rtl="0" eaLnBrk="1" latinLnBrk="0" hangingPunct="1">
+              <a:spcBef>
+                <a:spcPct val="20000"/>
+              </a:spcBef>
+              <a:buClr>
+                <a:schemeClr val="accent1">
+                  <a:lumMod val="50000"/>
+                </a:schemeClr>
+              </a:buClr>
+              <a:buSzPct val="85000"/>
+              <a:buFont typeface="Wingdings 2"/>
+              <a:buNone/>
+              <a:defRPr kumimoji="0" sz="1800" kern="1200">
+                <a:solidFill>
+                  <a:schemeClr val="tx1">
+                    <a:tint val="75000"/>
+                  </a:schemeClr>
+                </a:solidFill>
+                <a:latin typeface="+mn-lt"/>
+                <a:ea typeface="+mn-ea"/>
+                <a:cs typeface="+mn-cs"/>
+              </a:defRPr>
+            </a:lvl2pPr>
+            <a:lvl3pPr marL="914400" indent="-246888" algn="l" rtl="0" eaLnBrk="1" latinLnBrk="0" hangingPunct="1">
+              <a:spcBef>
+                <a:spcPct val="20000"/>
+              </a:spcBef>
+              <a:buClr>
+                <a:schemeClr val="accent2">
+                  <a:lumMod val="50000"/>
+                </a:schemeClr>
+              </a:buClr>
+              <a:buSzPct val="70000"/>
+              <a:buFont typeface="Wingdings 2"/>
+              <a:buNone/>
+              <a:defRPr kumimoji="0" sz="1600" kern="1200">
+                <a:solidFill>
+                  <a:schemeClr val="tx1">
+                    <a:tint val="75000"/>
+                  </a:schemeClr>
+                </a:solidFill>
+                <a:latin typeface="+mn-lt"/>
+                <a:ea typeface="+mn-ea"/>
+                <a:cs typeface="+mn-cs"/>
+              </a:defRPr>
+            </a:lvl3pPr>
+            <a:lvl4pPr marL="1188720" indent="-210312" algn="l" rtl="0" eaLnBrk="1" latinLnBrk="0" hangingPunct="1">
+              <a:spcBef>
+                <a:spcPct val="20000"/>
+              </a:spcBef>
+              <a:buClr>
+                <a:schemeClr val="accent3">
+                  <a:lumMod val="50000"/>
+                </a:schemeClr>
+              </a:buClr>
+              <a:buSzPct val="65000"/>
+              <a:buFont typeface="Wingdings 2"/>
+              <a:buNone/>
+              <a:defRPr kumimoji="0" sz="1400" kern="1200">
+                <a:solidFill>
+                  <a:schemeClr val="tx1">
+                    <a:tint val="75000"/>
+                  </a:schemeClr>
+                </a:solidFill>
+                <a:latin typeface="+mn-lt"/>
+                <a:ea typeface="+mn-ea"/>
+                <a:cs typeface="+mn-cs"/>
+              </a:defRPr>
+            </a:lvl4pPr>
+            <a:lvl5pPr marL="1463040" indent="-210312" algn="l" rtl="0" eaLnBrk="1" latinLnBrk="0" hangingPunct="1">
+              <a:spcBef>
+                <a:spcPct val="20000"/>
+              </a:spcBef>
+              <a:buClr>
+                <a:schemeClr val="accent4">
+                  <a:lumMod val="50000"/>
+                </a:schemeClr>
+              </a:buClr>
+              <a:buSzPct val="65000"/>
+              <a:buFont typeface="Wingdings 2"/>
+              <a:buNone/>
+              <a:defRPr kumimoji="0" sz="1400" kern="1200">
+                <a:solidFill>
+                  <a:schemeClr val="tx1">
+                    <a:tint val="75000"/>
+                  </a:schemeClr>
+                </a:solidFill>
+                <a:latin typeface="+mn-lt"/>
+                <a:ea typeface="+mn-ea"/>
+                <a:cs typeface="+mn-cs"/>
+              </a:defRPr>
+            </a:lvl5pPr>
+            <a:lvl6pPr marL="1737360" indent="-210312" algn="l" rtl="0" eaLnBrk="1" latinLnBrk="0" hangingPunct="1">
+              <a:spcBef>
+                <a:spcPct val="20000"/>
+              </a:spcBef>
+              <a:buClr>
+                <a:schemeClr val="accent5">
+                  <a:lumMod val="50000"/>
+                </a:schemeClr>
+              </a:buClr>
+              <a:buSzPct val="80000"/>
+              <a:buFont typeface="Wingdings 2"/>
+              <a:buChar char=""/>
+              <a:defRPr kumimoji="0" sz="1800" kern="1200">
+                <a:solidFill>
+                  <a:schemeClr val="tx1"/>
+                </a:solidFill>
+                <a:latin typeface="+mn-lt"/>
+                <a:ea typeface="+mn-ea"/>
+                <a:cs typeface="+mn-cs"/>
+              </a:defRPr>
+            </a:lvl6pPr>
+            <a:lvl7pPr marL="1920240" indent="-182880" algn="l" rtl="0" eaLnBrk="1" latinLnBrk="0" hangingPunct="1">
+              <a:spcBef>
+                <a:spcPct val="20000"/>
+              </a:spcBef>
+              <a:buClr>
+                <a:schemeClr val="accent6">
+                  <a:lumMod val="50000"/>
+                </a:schemeClr>
+              </a:buClr>
+              <a:buSzPct val="80000"/>
+              <a:buFont typeface="Wingdings 2"/>
+              <a:buChar char=""/>
+              <a:defRPr kumimoji="0" sz="1600" kern="1200" baseline="0">
+                <a:solidFill>
+                  <a:schemeClr val="tx1"/>
+                </a:solidFill>
+                <a:latin typeface="+mn-lt"/>
+                <a:ea typeface="+mn-ea"/>
+                <a:cs typeface="+mn-cs"/>
+              </a:defRPr>
+            </a:lvl7pPr>
+            <a:lvl8pPr marL="2194560" indent="-182880" algn="l" rtl="0" eaLnBrk="1" latinLnBrk="0" hangingPunct="1">
+              <a:spcBef>
+                <a:spcPct val="20000"/>
+              </a:spcBef>
+              <a:buClr>
+                <a:schemeClr val="tx2"/>
+              </a:buClr>
+              <a:buChar char="•"/>
+              <a:defRPr kumimoji="0" sz="1600" kern="1200">
+                <a:solidFill>
+                  <a:schemeClr val="tx1"/>
+                </a:solidFill>
+                <a:latin typeface="+mn-lt"/>
+                <a:ea typeface="+mn-ea"/>
+                <a:cs typeface="+mn-cs"/>
+              </a:defRPr>
+            </a:lvl8pPr>
+            <a:lvl9pPr marL="2468880" indent="-182880" algn="l" rtl="0" eaLnBrk="1" latinLnBrk="0" hangingPunct="1">
+              <a:spcBef>
+                <a:spcPct val="20000"/>
+              </a:spcBef>
+              <a:buClr>
+                <a:schemeClr val="tx2"/>
+              </a:buClr>
+              <a:buFontTx/>
+              <a:buChar char="•"/>
+              <a:defRPr kumimoji="0" sz="1400" kern="1200" baseline="0">
+                <a:solidFill>
+                  <a:schemeClr val="tx1"/>
+                </a:solidFill>
+                <a:latin typeface="+mn-lt"/>
+                <a:ea typeface="+mn-ea"/>
+                <a:cs typeface="+mn-cs"/>
+              </a:defRPr>
+            </a:lvl9pPr>
+          </a:lstStyle>
+          <a:p>
+            <a:r>
+              <a:rPr lang="en-US" sz="2400" dirty="0"/>
+              <a:t>My mission is to transform complex data into actionable insights that drive strategic decisions while maintaining the highest standards of integrity and ethical practice. I am committed to delivering innovative database and analytics solutions that create lasting value through technical excellence and collaborative problem-solving.</a:t>
+            </a:r>
+          </a:p>
+        </p:txBody>
+      </p:sp>
+      <p:sp>
+        <p:nvSpPr>
+          <p:cNvPr id="10" name="Rectangle 9">
+            <a:extLst>
+              <a:ext uri="{FF2B5EF4-FFF2-40B4-BE49-F238E27FC236}">
+                <a16:creationId xmlns:a16="http://schemas.microsoft.com/office/drawing/2014/main" id="{4E74C2DF-5AF1-F86B-89C4-FB4B6D51B787}"/>
+              </a:ext>
+            </a:extLst>
+          </p:cNvPr>
+          <p:cNvSpPr/>
+          <p:nvPr/>
+        </p:nvSpPr>
+        <p:spPr>
+          <a:xfrm>
+            <a:off x="10619874" y="545432"/>
+            <a:ext cx="1572126" cy="6160168"/>
+          </a:xfrm>
+          <a:prstGeom prst="rect">
+            <a:avLst/>
+          </a:prstGeom>
+          <a:noFill/>
+          <a:ln>
+            <a:noFill/>
+          </a:ln>
+        </p:spPr>
+        <p:style>
+          <a:lnRef idx="1">
+            <a:schemeClr val="accent2"/>
+          </a:lnRef>
+          <a:fillRef idx="3">
+            <a:schemeClr val="accent2"/>
+          </a:fillRef>
+          <a:effectRef idx="2">
+            <a:schemeClr val="accent2"/>
+          </a:effectRef>
+          <a:fontRef idx="minor">
+            <a:schemeClr val="lt1"/>
+          </a:fontRef>
+        </p:style>
+        <p:txBody>
+          <a:bodyPr rtlCol="0" anchor="ctr"/>
+          <a:lstStyle/>
+          <a:p>
+            <a:pPr algn="ctr"/>
+            <a:endParaRPr lang="en-US" dirty="0"/>
+          </a:p>
+        </p:txBody>
+      </p:sp>
+    </p:spTree>
+    <p:extLst>
+      <p:ext uri="{BB962C8B-B14F-4D97-AF65-F5344CB8AC3E}">
+        <p14:creationId xmlns:p14="http://schemas.microsoft.com/office/powerpoint/2010/main" val="2364183265"/>
       </p:ext>
     </p:extLst>
   </p:cSld>

--- a/Titanic Business Analytics - Python Visualizations.pptx
+++ b/Titanic Business Analytics - Python Visualizations.pptx
@@ -5,10 +5,10 @@
     <p:sldMasterId id="2147483708" r:id="rId1"/>
   </p:sldMasterIdLst>
   <p:notesMasterIdLst>
-    <p:notesMasterId r:id="rId9"/>
+    <p:notesMasterId r:id="rId11"/>
   </p:notesMasterIdLst>
   <p:handoutMasterIdLst>
-    <p:handoutMasterId r:id="rId10"/>
+    <p:handoutMasterId r:id="rId12"/>
   </p:handoutMasterIdLst>
   <p:sldIdLst>
     <p:sldId id="264" r:id="rId2"/>
@@ -16,8 +16,10 @@
     <p:sldId id="266" r:id="rId4"/>
     <p:sldId id="269" r:id="rId5"/>
     <p:sldId id="275" r:id="rId6"/>
-    <p:sldId id="274" r:id="rId7"/>
-    <p:sldId id="276" r:id="rId8"/>
+    <p:sldId id="277" r:id="rId7"/>
+    <p:sldId id="278" r:id="rId8"/>
+    <p:sldId id="274" r:id="rId9"/>
+    <p:sldId id="276" r:id="rId10"/>
   </p:sldIdLst>
   <p:sldSz cx="12192000" cy="6858000"/>
   <p:notesSz cx="6858000" cy="9144000"/>
@@ -209,7 +211,7 @@
           <a:p>
             <a:fld id="{D6E8870F-1A48-43A2-A007-2348C2B9745E}" type="datetimeFigureOut">
               <a:rPr lang="en-US" smtClean="0"/>
-              <a:t>5/19/2025</a:t>
+              <a:t>5/20/2025</a:t>
             </a:fld>
             <a:endParaRPr lang="en-US"/>
           </a:p>
@@ -374,7 +376,7 @@
           <a:p>
             <a:fld id="{80DBB9B0-4661-411B-B556-887633A3B128}" type="datetimeFigureOut">
               <a:rPr lang="en-US" smtClean="0"/>
-              <a:t>5/19/2025</a:t>
+              <a:t>5/20/2025</a:t>
             </a:fld>
             <a:endParaRPr lang="en-US"/>
           </a:p>
@@ -4454,75 +4456,1894 @@
           <a:bodyPr/>
           <a:lstStyle/>
           <a:p>
-            <a:pPr marL="0" indent="0">
+            <a:pPr>
               <a:buNone/>
             </a:pPr>
             <a:r>
-              <a:rPr lang="en-US" sz="1200" dirty="0"/>
-              <a:t>Contact: Norma Winters</a:t>
-            </a:r>
-          </a:p>
-          <a:p>
-            <a:pPr marL="0" indent="0">
+              <a:rPr lang="en-US" b="1" dirty="0"/>
+              <a:t>Why Use Scalers (In Simple Terms)</a:t>
+            </a:r>
+          </a:p>
+          <a:p>
+            <a:pPr>
               <a:buNone/>
             </a:pPr>
             <a:r>
-              <a:rPr lang="en-US" sz="1200" dirty="0"/>
-              <a:t>       Cell: 616-719-7456</a:t>
-            </a:r>
-          </a:p>
-          <a:p>
-            <a:pPr marL="0" indent="0">
+              <a:rPr lang="en-US" dirty="0"/>
+              <a:t>Scalers put all your numbers on the same scale so they can be compared fairly.</a:t>
+            </a:r>
+          </a:p>
+          <a:p>
+            <a:pPr>
               <a:buNone/>
             </a:pPr>
             <a:r>
-              <a:rPr lang="en-US" sz="1200" dirty="0"/>
-              <a:t>   Email: winters2nd@gmail.com</a:t>
+              <a:rPr lang="en-US" dirty="0"/>
+              <a:t>Why:</a:t>
+            </a:r>
+          </a:p>
+          <a:p>
+            <a:pPr>
+              <a:buNone/>
+            </a:pPr>
+            <a:r>
+              <a:rPr lang="en-US" b="1" dirty="0"/>
+              <a:t>1. Equal playing field</a:t>
+            </a:r>
+          </a:p>
+          <a:p>
+            <a:pPr>
+              <a:buNone/>
+            </a:pPr>
+            <a:r>
+              <a:rPr lang="en-US" dirty="0"/>
+              <a:t>If one feature ranges from 0-1 and another from 0-1000, the larger one might seem more important to the computer just because of its size.</a:t>
+            </a:r>
+          </a:p>
+          <a:p>
+            <a:pPr>
+              <a:buNone/>
+            </a:pPr>
+            <a:r>
+              <a:rPr lang="en-US" b="1" dirty="0"/>
+              <a:t>2. Better performance</a:t>
+            </a:r>
+          </a:p>
+          <a:p>
+            <a:pPr>
+              <a:buNone/>
+            </a:pPr>
+            <a:r>
+              <a:rPr lang="en-US" dirty="0"/>
+              <a:t>Many machine learning algorithms work better when all features are on similar scales.</a:t>
+            </a:r>
+          </a:p>
+          <a:p>
+            <a:pPr>
+              <a:buNone/>
+            </a:pPr>
+            <a:r>
+              <a:rPr lang="en-US" b="1" dirty="0"/>
+              <a:t>3. Faster learning</a:t>
+            </a:r>
+          </a:p>
+          <a:p>
+            <a:pPr>
+              <a:buNone/>
+            </a:pPr>
+            <a:r>
+              <a:rPr lang="en-US" dirty="0"/>
+              <a:t>With properly scaled data, algorithms can find patterns faster.</a:t>
+            </a:r>
+          </a:p>
+          <a:p>
+            <a:pPr>
+              <a:buNone/>
+            </a:pPr>
+            <a:r>
+              <a:rPr lang="en-US" b="1" dirty="0"/>
+              <a:t>4. Different types for different needs:</a:t>
+            </a:r>
+          </a:p>
+          <a:p>
+            <a:pPr>
+              <a:buFont typeface="Arial" panose="020B0604020202020204" pitchFamily="34" charset="0"/>
+              <a:buChar char="•"/>
+            </a:pPr>
+            <a:r>
+              <a:rPr lang="en-US" b="1" dirty="0" err="1"/>
+              <a:t>MinMaxScaler</a:t>
+            </a:r>
+            <a:r>
+              <a:rPr lang="en-US" dirty="0"/>
+              <a:t>: Puts everything between 0 and 1. Simple and easy to understand.</a:t>
+            </a:r>
+          </a:p>
+          <a:p>
+            <a:pPr>
+              <a:buFont typeface="Arial" panose="020B0604020202020204" pitchFamily="34" charset="0"/>
+              <a:buChar char="•"/>
+            </a:pPr>
+            <a:r>
+              <a:rPr lang="en-US" b="1" dirty="0" err="1"/>
+              <a:t>StandardScaler</a:t>
+            </a:r>
+            <a:r>
+              <a:rPr lang="en-US" dirty="0"/>
+              <a:t>: Centers data around 0. Good for bell-curve shaped data.</a:t>
+            </a:r>
+          </a:p>
+          <a:p>
+            <a:pPr>
+              <a:buFont typeface="Arial" panose="020B0604020202020204" pitchFamily="34" charset="0"/>
+              <a:buChar char="•"/>
+            </a:pPr>
+            <a:r>
+              <a:rPr lang="en-US" b="1" dirty="0" err="1"/>
+              <a:t>RobustScaler</a:t>
+            </a:r>
+            <a:r>
+              <a:rPr lang="en-US" dirty="0"/>
+              <a:t>: Handles outliers (unusual values) better than the others.</a:t>
+            </a:r>
+          </a:p>
+          <a:p>
+            <a:r>
+              <a:rPr lang="en-US" dirty="0"/>
+              <a:t>Think of scalers like translators that make sure all your data speaks the same language, making it easier for algorithms to understand the real patterns in your information.</a:t>
             </a:r>
           </a:p>
           <a:p>
             <a:endParaRPr lang="en-US" dirty="0"/>
           </a:p>
           <a:p>
-            <a:pPr marL="0" marR="0" lvl="0" indent="0" algn="l" defTabSz="914400" rtl="0" eaLnBrk="1" fontAlgn="auto" latinLnBrk="0" hangingPunct="1">
+            <a:r>
+              <a:rPr lang="en-US" dirty="0"/>
+              <a:t>Data Transformation and Scaling is done to get a clearer value of data statistics.  It is used in machine learning.</a:t>
+            </a:r>
+          </a:p>
+          <a:p>
+            <a:endParaRPr lang="en-US" dirty="0"/>
+          </a:p>
+          <a:p>
+            <a:pPr>
+              <a:buNone/>
+            </a:pPr>
+            <a:r>
+              <a:rPr lang="en-US" b="1" dirty="0"/>
+              <a:t>Different types for different needs:</a:t>
+            </a:r>
+          </a:p>
+          <a:p>
+            <a:pPr>
+              <a:buFont typeface="Arial" panose="020B0604020202020204" pitchFamily="34" charset="0"/>
+              <a:buChar char="•"/>
+            </a:pPr>
+            <a:r>
+              <a:rPr lang="en-US" b="1" dirty="0" err="1"/>
+              <a:t>MinMaxScaler</a:t>
+            </a:r>
+            <a:r>
+              <a:rPr lang="en-US" dirty="0"/>
+              <a:t>: Puts everything between 0 and 1. Simple and easy to understand.</a:t>
+            </a:r>
+          </a:p>
+          <a:p>
+            <a:pPr>
+              <a:buFont typeface="Arial" panose="020B0604020202020204" pitchFamily="34" charset="0"/>
+              <a:buChar char="•"/>
+            </a:pPr>
+            <a:r>
+              <a:rPr lang="en-US" b="1" dirty="0" err="1"/>
+              <a:t>StandardScaler</a:t>
+            </a:r>
+            <a:r>
+              <a:rPr lang="en-US" dirty="0"/>
+              <a:t>: Centers data around 0. Good for bell-curve shaped data.</a:t>
+            </a:r>
+          </a:p>
+          <a:p>
+            <a:pPr>
+              <a:buFont typeface="Arial" panose="020B0604020202020204" pitchFamily="34" charset="0"/>
+              <a:buChar char="•"/>
+            </a:pPr>
+            <a:r>
+              <a:rPr lang="en-US" b="1" dirty="0" err="1"/>
+              <a:t>RobustScaler</a:t>
+            </a:r>
+            <a:r>
+              <a:rPr lang="en-US" dirty="0"/>
+              <a:t>: Handles outliers (unusual values) better than the others.</a:t>
+            </a:r>
+          </a:p>
+          <a:p>
+            <a:r>
+              <a:rPr lang="en-US" dirty="0"/>
+              <a:t>Think of scalers like translators that make sure all your data speaks the same language, making it easier for algorithms to understand the real patterns in your information.</a:t>
+            </a:r>
+          </a:p>
+          <a:p>
+            <a:endParaRPr lang="en-US" dirty="0"/>
+          </a:p>
+          <a:p>
+            <a:endParaRPr lang="en-US" dirty="0"/>
+          </a:p>
+          <a:p>
+            <a:endParaRPr lang="en-US" dirty="0"/>
+          </a:p>
+          <a:p>
+            <a:r>
+              <a:rPr lang="en-US" dirty="0"/>
+              <a:t>Code</a:t>
+            </a:r>
+          </a:p>
+          <a:p>
+            <a:r>
+              <a:rPr lang="en-US" dirty="0"/>
+              <a:t>------------------------</a:t>
+            </a:r>
+          </a:p>
+          <a:p>
+            <a:pPr>
               <a:lnSpc>
-                <a:spcPct val="100000"/>
+                <a:spcPts val="1425"/>
               </a:lnSpc>
-              <a:spcBef>
-                <a:spcPts val="0"/>
-              </a:spcBef>
-              <a:spcAft>
-                <a:spcPts val="0"/>
-              </a:spcAft>
-              <a:buClrTx/>
-              <a:buSzTx/>
-              <a:buFontTx/>
               <a:buNone/>
-              <a:tabLst/>
-              <a:defRPr/>
             </a:pPr>
             <a:r>
-              <a:rPr lang="en-US" sz="1200" dirty="0"/>
-              <a:t>Top Skills: Database, Analytics, Programming, Project Management, Innovation, Quality, Visualization</a:t>
+              <a:rPr lang="en-US" b="0" dirty="0" err="1">
+                <a:solidFill>
+                  <a:srgbClr val="061783"/>
+                </a:solidFill>
+                <a:effectLst/>
+                <a:latin typeface="Consolas" panose="020B0609020204030204" pitchFamily="49" charset="0"/>
+              </a:rPr>
+              <a:t>std_scaler</a:t>
+            </a:r>
+            <a:r>
+              <a:rPr lang="en-US" b="0" dirty="0">
+                <a:solidFill>
+                  <a:srgbClr val="000000"/>
+                </a:solidFill>
+                <a:effectLst/>
+                <a:latin typeface="Consolas" panose="020B0609020204030204" pitchFamily="49" charset="0"/>
+              </a:rPr>
+              <a:t> </a:t>
+            </a:r>
+            <a:r>
+              <a:rPr lang="en-US" b="0" dirty="0">
+                <a:solidFill>
+                  <a:srgbClr val="0A0A0A"/>
+                </a:solidFill>
+                <a:effectLst/>
+                <a:latin typeface="Consolas" panose="020B0609020204030204" pitchFamily="49" charset="0"/>
+              </a:rPr>
+              <a:t>=</a:t>
+            </a:r>
+            <a:r>
+              <a:rPr lang="en-US" b="0" dirty="0">
+                <a:solidFill>
+                  <a:srgbClr val="000000"/>
+                </a:solidFill>
+                <a:effectLst/>
+                <a:latin typeface="Consolas" panose="020B0609020204030204" pitchFamily="49" charset="0"/>
+              </a:rPr>
+              <a:t> </a:t>
+            </a:r>
+            <a:r>
+              <a:rPr lang="en-US" b="0" dirty="0" err="1">
+                <a:solidFill>
+                  <a:srgbClr val="061783"/>
+                </a:solidFill>
+                <a:effectLst/>
+                <a:latin typeface="Consolas" panose="020B0609020204030204" pitchFamily="49" charset="0"/>
+              </a:rPr>
+              <a:t>StandardScaler</a:t>
+            </a:r>
+            <a:r>
+              <a:rPr lang="en-US" b="0" dirty="0">
+                <a:solidFill>
+                  <a:srgbClr val="000000"/>
+                </a:solidFill>
+                <a:effectLst/>
+                <a:latin typeface="Consolas" panose="020B0609020204030204" pitchFamily="49" charset="0"/>
+              </a:rPr>
+              <a:t>()</a:t>
+            </a:r>
+          </a:p>
+          <a:p>
+            <a:pPr>
+              <a:lnSpc>
+                <a:spcPts val="1425"/>
+              </a:lnSpc>
+              <a:buNone/>
+            </a:pPr>
+            <a:r>
+              <a:rPr lang="en-US" b="0" dirty="0" err="1">
+                <a:solidFill>
+                  <a:srgbClr val="061783"/>
+                </a:solidFill>
+                <a:effectLst/>
+                <a:latin typeface="Consolas" panose="020B0609020204030204" pitchFamily="49" charset="0"/>
+              </a:rPr>
+              <a:t>min_max_scaler</a:t>
+            </a:r>
+            <a:r>
+              <a:rPr lang="en-US" b="0" dirty="0">
+                <a:solidFill>
+                  <a:srgbClr val="000000"/>
+                </a:solidFill>
+                <a:effectLst/>
+                <a:latin typeface="Consolas" panose="020B0609020204030204" pitchFamily="49" charset="0"/>
+              </a:rPr>
+              <a:t> </a:t>
+            </a:r>
+            <a:r>
+              <a:rPr lang="en-US" b="0" dirty="0">
+                <a:solidFill>
+                  <a:srgbClr val="0A0A0A"/>
+                </a:solidFill>
+                <a:effectLst/>
+                <a:latin typeface="Consolas" panose="020B0609020204030204" pitchFamily="49" charset="0"/>
+              </a:rPr>
+              <a:t>=</a:t>
+            </a:r>
+            <a:r>
+              <a:rPr lang="en-US" b="0" dirty="0">
+                <a:solidFill>
+                  <a:srgbClr val="000000"/>
+                </a:solidFill>
+                <a:effectLst/>
+                <a:latin typeface="Consolas" panose="020B0609020204030204" pitchFamily="49" charset="0"/>
+              </a:rPr>
+              <a:t> </a:t>
+            </a:r>
+            <a:r>
+              <a:rPr lang="en-US" b="0" dirty="0" err="1">
+                <a:solidFill>
+                  <a:srgbClr val="061783"/>
+                </a:solidFill>
+                <a:effectLst/>
+                <a:latin typeface="Consolas" panose="020B0609020204030204" pitchFamily="49" charset="0"/>
+              </a:rPr>
+              <a:t>MinMaxScaler</a:t>
+            </a:r>
+            <a:r>
+              <a:rPr lang="en-US" b="0" dirty="0">
+                <a:solidFill>
+                  <a:srgbClr val="000000"/>
+                </a:solidFill>
+                <a:effectLst/>
+                <a:latin typeface="Consolas" panose="020B0609020204030204" pitchFamily="49" charset="0"/>
+              </a:rPr>
+              <a:t>()</a:t>
+            </a:r>
+          </a:p>
+          <a:p>
+            <a:pPr>
+              <a:lnSpc>
+                <a:spcPts val="1425"/>
+              </a:lnSpc>
+              <a:buNone/>
+            </a:pPr>
+            <a:r>
+              <a:rPr lang="en-US" b="0" dirty="0" err="1">
+                <a:solidFill>
+                  <a:srgbClr val="061783"/>
+                </a:solidFill>
+                <a:effectLst/>
+                <a:latin typeface="Consolas" panose="020B0609020204030204" pitchFamily="49" charset="0"/>
+              </a:rPr>
+              <a:t>robust_scaler</a:t>
+            </a:r>
+            <a:r>
+              <a:rPr lang="en-US" b="0" dirty="0">
+                <a:solidFill>
+                  <a:srgbClr val="000000"/>
+                </a:solidFill>
+                <a:effectLst/>
+                <a:latin typeface="Consolas" panose="020B0609020204030204" pitchFamily="49" charset="0"/>
+              </a:rPr>
+              <a:t> </a:t>
+            </a:r>
+            <a:r>
+              <a:rPr lang="en-US" b="0" dirty="0">
+                <a:solidFill>
+                  <a:srgbClr val="0A0A0A"/>
+                </a:solidFill>
+                <a:effectLst/>
+                <a:latin typeface="Consolas" panose="020B0609020204030204" pitchFamily="49" charset="0"/>
+              </a:rPr>
+              <a:t>=</a:t>
+            </a:r>
+            <a:r>
+              <a:rPr lang="en-US" b="0" dirty="0">
+                <a:solidFill>
+                  <a:srgbClr val="000000"/>
+                </a:solidFill>
+                <a:effectLst/>
+                <a:latin typeface="Consolas" panose="020B0609020204030204" pitchFamily="49" charset="0"/>
+              </a:rPr>
+              <a:t> </a:t>
+            </a:r>
+            <a:r>
+              <a:rPr lang="en-US" b="0" dirty="0" err="1">
+                <a:solidFill>
+                  <a:srgbClr val="061783"/>
+                </a:solidFill>
+                <a:effectLst/>
+                <a:latin typeface="Consolas" panose="020B0609020204030204" pitchFamily="49" charset="0"/>
+              </a:rPr>
+              <a:t>RobustScaler</a:t>
+            </a:r>
+            <a:r>
+              <a:rPr lang="en-US" b="0" dirty="0">
+                <a:solidFill>
+                  <a:srgbClr val="000000"/>
+                </a:solidFill>
+                <a:effectLst/>
+                <a:latin typeface="Consolas" panose="020B0609020204030204" pitchFamily="49" charset="0"/>
+              </a:rPr>
+              <a:t>()</a:t>
+            </a:r>
+          </a:p>
+          <a:p>
+            <a:pPr>
+              <a:lnSpc>
+                <a:spcPts val="1425"/>
+              </a:lnSpc>
+              <a:buNone/>
+            </a:pPr>
+            <a:br>
+              <a:rPr lang="en-US" b="0" dirty="0">
+                <a:solidFill>
+                  <a:srgbClr val="000000"/>
+                </a:solidFill>
+                <a:effectLst/>
+                <a:latin typeface="Consolas" panose="020B0609020204030204" pitchFamily="49" charset="0"/>
+              </a:rPr>
+            </a:br>
+            <a:r>
+              <a:rPr lang="en-US" b="0" dirty="0" err="1">
+                <a:solidFill>
+                  <a:srgbClr val="061783"/>
+                </a:solidFill>
+                <a:effectLst/>
+                <a:latin typeface="Consolas" panose="020B0609020204030204" pitchFamily="49" charset="0"/>
+              </a:rPr>
+              <a:t>titanic_df</a:t>
+            </a:r>
+            <a:r>
+              <a:rPr lang="en-US" b="0" dirty="0">
+                <a:solidFill>
+                  <a:srgbClr val="000000"/>
+                </a:solidFill>
+                <a:effectLst/>
+                <a:latin typeface="Consolas" panose="020B0609020204030204" pitchFamily="49" charset="0"/>
+              </a:rPr>
+              <a:t>[</a:t>
+            </a:r>
+            <a:r>
+              <a:rPr lang="en-US" b="0" dirty="0">
+                <a:solidFill>
+                  <a:srgbClr val="AE3131"/>
+                </a:solidFill>
+                <a:effectLst/>
+                <a:latin typeface="Consolas" panose="020B0609020204030204" pitchFamily="49" charset="0"/>
+              </a:rPr>
+              <a:t>'</a:t>
+            </a:r>
+            <a:r>
+              <a:rPr lang="en-US" b="0" dirty="0" err="1">
+                <a:solidFill>
+                  <a:srgbClr val="AE3131"/>
+                </a:solidFill>
+                <a:effectLst/>
+                <a:latin typeface="Consolas" panose="020B0609020204030204" pitchFamily="49" charset="0"/>
+              </a:rPr>
+              <a:t>age_min_max</a:t>
+            </a:r>
+            <a:r>
+              <a:rPr lang="en-US" b="0" dirty="0">
+                <a:solidFill>
+                  <a:srgbClr val="AE3131"/>
+                </a:solidFill>
+                <a:effectLst/>
+                <a:latin typeface="Consolas" panose="020B0609020204030204" pitchFamily="49" charset="0"/>
+              </a:rPr>
+              <a:t>'</a:t>
+            </a:r>
+            <a:r>
+              <a:rPr lang="en-US" b="0" dirty="0">
+                <a:solidFill>
+                  <a:srgbClr val="000000"/>
+                </a:solidFill>
+                <a:effectLst/>
+                <a:latin typeface="Consolas" panose="020B0609020204030204" pitchFamily="49" charset="0"/>
+              </a:rPr>
+              <a:t>] </a:t>
+            </a:r>
+            <a:r>
+              <a:rPr lang="en-US" b="0" dirty="0">
+                <a:solidFill>
+                  <a:srgbClr val="0A0A0A"/>
+                </a:solidFill>
+                <a:effectLst/>
+                <a:latin typeface="Consolas" panose="020B0609020204030204" pitchFamily="49" charset="0"/>
+              </a:rPr>
+              <a:t>=</a:t>
+            </a:r>
+            <a:r>
+              <a:rPr lang="en-US" b="0" dirty="0">
+                <a:solidFill>
+                  <a:srgbClr val="000000"/>
+                </a:solidFill>
+                <a:effectLst/>
+                <a:latin typeface="Consolas" panose="020B0609020204030204" pitchFamily="49" charset="0"/>
+              </a:rPr>
+              <a:t> </a:t>
+            </a:r>
+            <a:r>
+              <a:rPr lang="en-US" b="0" dirty="0" err="1">
+                <a:solidFill>
+                  <a:srgbClr val="061783"/>
+                </a:solidFill>
+                <a:effectLst/>
+                <a:latin typeface="Consolas" panose="020B0609020204030204" pitchFamily="49" charset="0"/>
+              </a:rPr>
+              <a:t>min_max_scaler</a:t>
+            </a:r>
+            <a:r>
+              <a:rPr lang="en-US" b="0" dirty="0" err="1">
+                <a:solidFill>
+                  <a:srgbClr val="000000"/>
+                </a:solidFill>
+                <a:effectLst/>
+                <a:latin typeface="Consolas" panose="020B0609020204030204" pitchFamily="49" charset="0"/>
+              </a:rPr>
+              <a:t>.fit_transform</a:t>
+            </a:r>
+            <a:r>
+              <a:rPr lang="en-US" b="0" dirty="0">
+                <a:solidFill>
+                  <a:srgbClr val="000000"/>
+                </a:solidFill>
+                <a:effectLst/>
+                <a:latin typeface="Consolas" panose="020B0609020204030204" pitchFamily="49" charset="0"/>
+              </a:rPr>
+              <a:t>(</a:t>
+            </a:r>
+            <a:r>
+              <a:rPr lang="en-US" b="0" dirty="0" err="1">
+                <a:solidFill>
+                  <a:srgbClr val="061783"/>
+                </a:solidFill>
+                <a:effectLst/>
+                <a:latin typeface="Consolas" panose="020B0609020204030204" pitchFamily="49" charset="0"/>
+              </a:rPr>
+              <a:t>titanic_df</a:t>
+            </a:r>
+            <a:r>
+              <a:rPr lang="en-US" b="0" dirty="0">
+                <a:solidFill>
+                  <a:srgbClr val="000000"/>
+                </a:solidFill>
+                <a:effectLst/>
+                <a:latin typeface="Consolas" panose="020B0609020204030204" pitchFamily="49" charset="0"/>
+              </a:rPr>
+              <a:t>[[</a:t>
+            </a:r>
+            <a:r>
+              <a:rPr lang="en-US" b="0" dirty="0">
+                <a:solidFill>
+                  <a:srgbClr val="AE3131"/>
+                </a:solidFill>
+                <a:effectLst/>
+                <a:latin typeface="Consolas" panose="020B0609020204030204" pitchFamily="49" charset="0"/>
+              </a:rPr>
+              <a:t>'age'</a:t>
+            </a:r>
+            <a:r>
+              <a:rPr lang="en-US" b="0" dirty="0">
+                <a:solidFill>
+                  <a:srgbClr val="000000"/>
+                </a:solidFill>
+                <a:effectLst/>
+                <a:latin typeface="Consolas" panose="020B0609020204030204" pitchFamily="49" charset="0"/>
+              </a:rPr>
+              <a:t>]])</a:t>
+            </a:r>
+          </a:p>
+          <a:p>
+            <a:pPr>
+              <a:lnSpc>
+                <a:spcPts val="1425"/>
+              </a:lnSpc>
+              <a:buNone/>
+            </a:pPr>
+            <a:r>
+              <a:rPr lang="en-US" b="0" dirty="0" err="1">
+                <a:solidFill>
+                  <a:srgbClr val="061783"/>
+                </a:solidFill>
+                <a:effectLst/>
+                <a:latin typeface="Consolas" panose="020B0609020204030204" pitchFamily="49" charset="0"/>
+              </a:rPr>
+              <a:t>titanic_df</a:t>
+            </a:r>
+            <a:r>
+              <a:rPr lang="en-US" b="0" dirty="0">
+                <a:solidFill>
+                  <a:srgbClr val="000000"/>
+                </a:solidFill>
+                <a:effectLst/>
+                <a:latin typeface="Consolas" panose="020B0609020204030204" pitchFamily="49" charset="0"/>
+              </a:rPr>
+              <a:t>[</a:t>
+            </a:r>
+            <a:r>
+              <a:rPr lang="en-US" b="0" dirty="0">
+                <a:solidFill>
+                  <a:srgbClr val="AE3131"/>
+                </a:solidFill>
+                <a:effectLst/>
+                <a:latin typeface="Consolas" panose="020B0609020204030204" pitchFamily="49" charset="0"/>
+              </a:rPr>
+              <a:t>'</a:t>
+            </a:r>
+            <a:r>
+              <a:rPr lang="en-US" b="0" dirty="0" err="1">
+                <a:solidFill>
+                  <a:srgbClr val="AE3131"/>
+                </a:solidFill>
+                <a:effectLst/>
+                <a:latin typeface="Consolas" panose="020B0609020204030204" pitchFamily="49" charset="0"/>
+              </a:rPr>
+              <a:t>age_robust</a:t>
+            </a:r>
+            <a:r>
+              <a:rPr lang="en-US" b="0" dirty="0">
+                <a:solidFill>
+                  <a:srgbClr val="AE3131"/>
+                </a:solidFill>
+                <a:effectLst/>
+                <a:latin typeface="Consolas" panose="020B0609020204030204" pitchFamily="49" charset="0"/>
+              </a:rPr>
+              <a:t>'</a:t>
+            </a:r>
+            <a:r>
+              <a:rPr lang="en-US" b="0" dirty="0">
+                <a:solidFill>
+                  <a:srgbClr val="000000"/>
+                </a:solidFill>
+                <a:effectLst/>
+                <a:latin typeface="Consolas" panose="020B0609020204030204" pitchFamily="49" charset="0"/>
+              </a:rPr>
+              <a:t>] </a:t>
+            </a:r>
+            <a:r>
+              <a:rPr lang="en-US" b="0" dirty="0">
+                <a:solidFill>
+                  <a:srgbClr val="0A0A0A"/>
+                </a:solidFill>
+                <a:effectLst/>
+                <a:latin typeface="Consolas" panose="020B0609020204030204" pitchFamily="49" charset="0"/>
+              </a:rPr>
+              <a:t>=</a:t>
+            </a:r>
+            <a:r>
+              <a:rPr lang="en-US" b="0" dirty="0">
+                <a:solidFill>
+                  <a:srgbClr val="000000"/>
+                </a:solidFill>
+                <a:effectLst/>
+                <a:latin typeface="Consolas" panose="020B0609020204030204" pitchFamily="49" charset="0"/>
+              </a:rPr>
+              <a:t> </a:t>
+            </a:r>
+            <a:r>
+              <a:rPr lang="en-US" b="0" dirty="0" err="1">
+                <a:solidFill>
+                  <a:srgbClr val="061783"/>
+                </a:solidFill>
+                <a:effectLst/>
+                <a:latin typeface="Consolas" panose="020B0609020204030204" pitchFamily="49" charset="0"/>
+              </a:rPr>
+              <a:t>robust_scaler</a:t>
+            </a:r>
+            <a:r>
+              <a:rPr lang="en-US" b="0" dirty="0" err="1">
+                <a:solidFill>
+                  <a:srgbClr val="000000"/>
+                </a:solidFill>
+                <a:effectLst/>
+                <a:latin typeface="Consolas" panose="020B0609020204030204" pitchFamily="49" charset="0"/>
+              </a:rPr>
+              <a:t>.fit_transform</a:t>
+            </a:r>
+            <a:r>
+              <a:rPr lang="en-US" b="0" dirty="0">
+                <a:solidFill>
+                  <a:srgbClr val="000000"/>
+                </a:solidFill>
+                <a:effectLst/>
+                <a:latin typeface="Consolas" panose="020B0609020204030204" pitchFamily="49" charset="0"/>
+              </a:rPr>
+              <a:t>(</a:t>
+            </a:r>
+            <a:r>
+              <a:rPr lang="en-US" b="0" dirty="0" err="1">
+                <a:solidFill>
+                  <a:srgbClr val="061783"/>
+                </a:solidFill>
+                <a:effectLst/>
+                <a:latin typeface="Consolas" panose="020B0609020204030204" pitchFamily="49" charset="0"/>
+              </a:rPr>
+              <a:t>titanic_df</a:t>
+            </a:r>
+            <a:r>
+              <a:rPr lang="en-US" b="0" dirty="0">
+                <a:solidFill>
+                  <a:srgbClr val="000000"/>
+                </a:solidFill>
+                <a:effectLst/>
+                <a:latin typeface="Consolas" panose="020B0609020204030204" pitchFamily="49" charset="0"/>
+              </a:rPr>
+              <a:t>[[</a:t>
+            </a:r>
+            <a:r>
+              <a:rPr lang="en-US" b="0" dirty="0">
+                <a:solidFill>
+                  <a:srgbClr val="AE3131"/>
+                </a:solidFill>
+                <a:effectLst/>
+                <a:latin typeface="Consolas" panose="020B0609020204030204" pitchFamily="49" charset="0"/>
+              </a:rPr>
+              <a:t>'age'</a:t>
+            </a:r>
+            <a:r>
+              <a:rPr lang="en-US" b="0" dirty="0">
+                <a:solidFill>
+                  <a:srgbClr val="000000"/>
+                </a:solidFill>
+                <a:effectLst/>
+                <a:latin typeface="Consolas" panose="020B0609020204030204" pitchFamily="49" charset="0"/>
+              </a:rPr>
+              <a:t>]])</a:t>
+            </a:r>
+          </a:p>
+          <a:p>
+            <a:pPr>
+              <a:lnSpc>
+                <a:spcPts val="1425"/>
+              </a:lnSpc>
+              <a:buNone/>
+            </a:pPr>
+            <a:r>
+              <a:rPr lang="en-US" b="0" dirty="0" err="1">
+                <a:solidFill>
+                  <a:srgbClr val="061783"/>
+                </a:solidFill>
+                <a:effectLst/>
+                <a:latin typeface="Consolas" panose="020B0609020204030204" pitchFamily="49" charset="0"/>
+              </a:rPr>
+              <a:t>titanic_df</a:t>
+            </a:r>
+            <a:r>
+              <a:rPr lang="en-US" b="0" dirty="0">
+                <a:solidFill>
+                  <a:srgbClr val="000000"/>
+                </a:solidFill>
+                <a:effectLst/>
+                <a:latin typeface="Consolas" panose="020B0609020204030204" pitchFamily="49" charset="0"/>
+              </a:rPr>
+              <a:t>[</a:t>
+            </a:r>
+            <a:r>
+              <a:rPr lang="en-US" b="0" dirty="0">
+                <a:solidFill>
+                  <a:srgbClr val="AE3131"/>
+                </a:solidFill>
+                <a:effectLst/>
+                <a:latin typeface="Consolas" panose="020B0609020204030204" pitchFamily="49" charset="0"/>
+              </a:rPr>
+              <a:t>'</a:t>
+            </a:r>
+            <a:r>
+              <a:rPr lang="en-US" b="0" dirty="0" err="1">
+                <a:solidFill>
+                  <a:srgbClr val="AE3131"/>
+                </a:solidFill>
+                <a:effectLst/>
+                <a:latin typeface="Consolas" panose="020B0609020204030204" pitchFamily="49" charset="0"/>
+              </a:rPr>
+              <a:t>age_std</a:t>
+            </a:r>
+            <a:r>
+              <a:rPr lang="en-US" b="0" dirty="0">
+                <a:solidFill>
+                  <a:srgbClr val="AE3131"/>
+                </a:solidFill>
+                <a:effectLst/>
+                <a:latin typeface="Consolas" panose="020B0609020204030204" pitchFamily="49" charset="0"/>
+              </a:rPr>
+              <a:t>'</a:t>
+            </a:r>
+            <a:r>
+              <a:rPr lang="en-US" b="0" dirty="0">
+                <a:solidFill>
+                  <a:srgbClr val="000000"/>
+                </a:solidFill>
+                <a:effectLst/>
+                <a:latin typeface="Consolas" panose="020B0609020204030204" pitchFamily="49" charset="0"/>
+              </a:rPr>
+              <a:t>] </a:t>
+            </a:r>
+            <a:r>
+              <a:rPr lang="en-US" b="0" dirty="0">
+                <a:solidFill>
+                  <a:srgbClr val="0A0A0A"/>
+                </a:solidFill>
+                <a:effectLst/>
+                <a:latin typeface="Consolas" panose="020B0609020204030204" pitchFamily="49" charset="0"/>
+              </a:rPr>
+              <a:t>=</a:t>
+            </a:r>
+            <a:r>
+              <a:rPr lang="en-US" b="0" dirty="0">
+                <a:solidFill>
+                  <a:srgbClr val="000000"/>
+                </a:solidFill>
+                <a:effectLst/>
+                <a:latin typeface="Consolas" panose="020B0609020204030204" pitchFamily="49" charset="0"/>
+              </a:rPr>
+              <a:t> </a:t>
+            </a:r>
+            <a:r>
+              <a:rPr lang="en-US" b="0" dirty="0" err="1">
+                <a:solidFill>
+                  <a:srgbClr val="061783"/>
+                </a:solidFill>
+                <a:effectLst/>
+                <a:latin typeface="Consolas" panose="020B0609020204030204" pitchFamily="49" charset="0"/>
+              </a:rPr>
+              <a:t>std_scaler</a:t>
+            </a:r>
+            <a:r>
+              <a:rPr lang="en-US" b="0" dirty="0" err="1">
+                <a:solidFill>
+                  <a:srgbClr val="000000"/>
+                </a:solidFill>
+                <a:effectLst/>
+                <a:latin typeface="Consolas" panose="020B0609020204030204" pitchFamily="49" charset="0"/>
+              </a:rPr>
+              <a:t>.fit_transform</a:t>
+            </a:r>
+            <a:r>
+              <a:rPr lang="en-US" b="0" dirty="0">
+                <a:solidFill>
+                  <a:srgbClr val="000000"/>
+                </a:solidFill>
+                <a:effectLst/>
+                <a:latin typeface="Consolas" panose="020B0609020204030204" pitchFamily="49" charset="0"/>
+              </a:rPr>
+              <a:t>(</a:t>
+            </a:r>
+            <a:r>
+              <a:rPr lang="en-US" b="0" dirty="0" err="1">
+                <a:solidFill>
+                  <a:srgbClr val="061783"/>
+                </a:solidFill>
+                <a:effectLst/>
+                <a:latin typeface="Consolas" panose="020B0609020204030204" pitchFamily="49" charset="0"/>
+              </a:rPr>
+              <a:t>titanic_df</a:t>
+            </a:r>
+            <a:r>
+              <a:rPr lang="en-US" b="0" dirty="0">
+                <a:solidFill>
+                  <a:srgbClr val="000000"/>
+                </a:solidFill>
+                <a:effectLst/>
+                <a:latin typeface="Consolas" panose="020B0609020204030204" pitchFamily="49" charset="0"/>
+              </a:rPr>
+              <a:t>[[</a:t>
+            </a:r>
+            <a:r>
+              <a:rPr lang="en-US" b="0" dirty="0">
+                <a:solidFill>
+                  <a:srgbClr val="AE3131"/>
+                </a:solidFill>
+                <a:effectLst/>
+                <a:latin typeface="Consolas" panose="020B0609020204030204" pitchFamily="49" charset="0"/>
+              </a:rPr>
+              <a:t>'age'</a:t>
+            </a:r>
+            <a:r>
+              <a:rPr lang="en-US" b="0" dirty="0">
+                <a:solidFill>
+                  <a:srgbClr val="000000"/>
+                </a:solidFill>
+                <a:effectLst/>
+                <a:latin typeface="Consolas" panose="020B0609020204030204" pitchFamily="49" charset="0"/>
+              </a:rPr>
+              <a:t>]])</a:t>
+            </a:r>
+          </a:p>
+          <a:p>
+            <a:pPr>
+              <a:lnSpc>
+                <a:spcPts val="1425"/>
+              </a:lnSpc>
+              <a:buNone/>
+            </a:pPr>
+            <a:br>
+              <a:rPr lang="en-US" b="0" dirty="0">
+                <a:solidFill>
+                  <a:srgbClr val="000000"/>
+                </a:solidFill>
+                <a:effectLst/>
+                <a:latin typeface="Consolas" panose="020B0609020204030204" pitchFamily="49" charset="0"/>
+              </a:rPr>
+            </a:br>
+            <a:r>
+              <a:rPr lang="en-US" b="0" dirty="0" err="1">
+                <a:solidFill>
+                  <a:srgbClr val="061783"/>
+                </a:solidFill>
+                <a:effectLst/>
+                <a:latin typeface="Consolas" panose="020B0609020204030204" pitchFamily="49" charset="0"/>
+              </a:rPr>
+              <a:t>titanic_df</a:t>
+            </a:r>
+            <a:r>
+              <a:rPr lang="en-US" b="0" dirty="0">
+                <a:solidFill>
+                  <a:srgbClr val="000000"/>
+                </a:solidFill>
+                <a:effectLst/>
+                <a:latin typeface="Consolas" panose="020B0609020204030204" pitchFamily="49" charset="0"/>
+              </a:rPr>
+              <a:t>[</a:t>
+            </a:r>
+            <a:r>
+              <a:rPr lang="en-US" b="0" dirty="0">
+                <a:solidFill>
+                  <a:srgbClr val="AE3131"/>
+                </a:solidFill>
+                <a:effectLst/>
+                <a:latin typeface="Consolas" panose="020B0609020204030204" pitchFamily="49" charset="0"/>
+              </a:rPr>
+              <a:t>'</a:t>
+            </a:r>
+            <a:r>
+              <a:rPr lang="en-US" b="0" dirty="0" err="1">
+                <a:solidFill>
+                  <a:srgbClr val="AE3131"/>
+                </a:solidFill>
+                <a:effectLst/>
+                <a:latin typeface="Consolas" panose="020B0609020204030204" pitchFamily="49" charset="0"/>
+              </a:rPr>
+              <a:t>fare_min_max</a:t>
+            </a:r>
+            <a:r>
+              <a:rPr lang="en-US" b="0" dirty="0">
+                <a:solidFill>
+                  <a:srgbClr val="AE3131"/>
+                </a:solidFill>
+                <a:effectLst/>
+                <a:latin typeface="Consolas" panose="020B0609020204030204" pitchFamily="49" charset="0"/>
+              </a:rPr>
+              <a:t>'</a:t>
+            </a:r>
+            <a:r>
+              <a:rPr lang="en-US" b="0" dirty="0">
+                <a:solidFill>
+                  <a:srgbClr val="000000"/>
+                </a:solidFill>
+                <a:effectLst/>
+                <a:latin typeface="Consolas" panose="020B0609020204030204" pitchFamily="49" charset="0"/>
+              </a:rPr>
+              <a:t>] </a:t>
+            </a:r>
+            <a:r>
+              <a:rPr lang="en-US" b="0" dirty="0">
+                <a:solidFill>
+                  <a:srgbClr val="0A0A0A"/>
+                </a:solidFill>
+                <a:effectLst/>
+                <a:latin typeface="Consolas" panose="020B0609020204030204" pitchFamily="49" charset="0"/>
+              </a:rPr>
+              <a:t>=</a:t>
+            </a:r>
+            <a:r>
+              <a:rPr lang="en-US" b="0" dirty="0">
+                <a:solidFill>
+                  <a:srgbClr val="000000"/>
+                </a:solidFill>
+                <a:effectLst/>
+                <a:latin typeface="Consolas" panose="020B0609020204030204" pitchFamily="49" charset="0"/>
+              </a:rPr>
+              <a:t> </a:t>
+            </a:r>
+            <a:r>
+              <a:rPr lang="en-US" b="0" dirty="0" err="1">
+                <a:solidFill>
+                  <a:srgbClr val="061783"/>
+                </a:solidFill>
+                <a:effectLst/>
+                <a:latin typeface="Consolas" panose="020B0609020204030204" pitchFamily="49" charset="0"/>
+              </a:rPr>
+              <a:t>min_max_scaler</a:t>
+            </a:r>
+            <a:r>
+              <a:rPr lang="en-US" b="0" dirty="0" err="1">
+                <a:solidFill>
+                  <a:srgbClr val="000000"/>
+                </a:solidFill>
+                <a:effectLst/>
+                <a:latin typeface="Consolas" panose="020B0609020204030204" pitchFamily="49" charset="0"/>
+              </a:rPr>
+              <a:t>.fit_transform</a:t>
+            </a:r>
+            <a:r>
+              <a:rPr lang="en-US" b="0" dirty="0">
+                <a:solidFill>
+                  <a:srgbClr val="000000"/>
+                </a:solidFill>
+                <a:effectLst/>
+                <a:latin typeface="Consolas" panose="020B0609020204030204" pitchFamily="49" charset="0"/>
+              </a:rPr>
+              <a:t>(</a:t>
+            </a:r>
+            <a:r>
+              <a:rPr lang="en-US" b="0" dirty="0" err="1">
+                <a:solidFill>
+                  <a:srgbClr val="061783"/>
+                </a:solidFill>
+                <a:effectLst/>
+                <a:latin typeface="Consolas" panose="020B0609020204030204" pitchFamily="49" charset="0"/>
+              </a:rPr>
+              <a:t>titanic_df</a:t>
+            </a:r>
+            <a:r>
+              <a:rPr lang="en-US" b="0" dirty="0">
+                <a:solidFill>
+                  <a:srgbClr val="000000"/>
+                </a:solidFill>
+                <a:effectLst/>
+                <a:latin typeface="Consolas" panose="020B0609020204030204" pitchFamily="49" charset="0"/>
+              </a:rPr>
+              <a:t>[[</a:t>
+            </a:r>
+            <a:r>
+              <a:rPr lang="en-US" b="0" dirty="0">
+                <a:solidFill>
+                  <a:srgbClr val="AE3131"/>
+                </a:solidFill>
+                <a:effectLst/>
+                <a:latin typeface="Consolas" panose="020B0609020204030204" pitchFamily="49" charset="0"/>
+              </a:rPr>
+              <a:t>'fare'</a:t>
+            </a:r>
+            <a:r>
+              <a:rPr lang="en-US" b="0" dirty="0">
+                <a:solidFill>
+                  <a:srgbClr val="000000"/>
+                </a:solidFill>
+                <a:effectLst/>
+                <a:latin typeface="Consolas" panose="020B0609020204030204" pitchFamily="49" charset="0"/>
+              </a:rPr>
+              <a:t>]])</a:t>
+            </a:r>
+          </a:p>
+          <a:p>
+            <a:pPr>
+              <a:lnSpc>
+                <a:spcPts val="1425"/>
+              </a:lnSpc>
+              <a:buNone/>
+            </a:pPr>
+            <a:r>
+              <a:rPr lang="en-US" b="0" dirty="0" err="1">
+                <a:solidFill>
+                  <a:srgbClr val="061783"/>
+                </a:solidFill>
+                <a:effectLst/>
+                <a:latin typeface="Consolas" panose="020B0609020204030204" pitchFamily="49" charset="0"/>
+              </a:rPr>
+              <a:t>titanic_df</a:t>
+            </a:r>
+            <a:r>
+              <a:rPr lang="en-US" b="0" dirty="0">
+                <a:solidFill>
+                  <a:srgbClr val="000000"/>
+                </a:solidFill>
+                <a:effectLst/>
+                <a:latin typeface="Consolas" panose="020B0609020204030204" pitchFamily="49" charset="0"/>
+              </a:rPr>
+              <a:t>[</a:t>
+            </a:r>
+            <a:r>
+              <a:rPr lang="en-US" b="0" dirty="0">
+                <a:solidFill>
+                  <a:srgbClr val="AE3131"/>
+                </a:solidFill>
+                <a:effectLst/>
+                <a:latin typeface="Consolas" panose="020B0609020204030204" pitchFamily="49" charset="0"/>
+              </a:rPr>
+              <a:t>'</a:t>
+            </a:r>
+            <a:r>
+              <a:rPr lang="en-US" b="0" dirty="0" err="1">
+                <a:solidFill>
+                  <a:srgbClr val="AE3131"/>
+                </a:solidFill>
+                <a:effectLst/>
+                <a:latin typeface="Consolas" panose="020B0609020204030204" pitchFamily="49" charset="0"/>
+              </a:rPr>
+              <a:t>fare_robust</a:t>
+            </a:r>
+            <a:r>
+              <a:rPr lang="en-US" b="0" dirty="0">
+                <a:solidFill>
+                  <a:srgbClr val="AE3131"/>
+                </a:solidFill>
+                <a:effectLst/>
+                <a:latin typeface="Consolas" panose="020B0609020204030204" pitchFamily="49" charset="0"/>
+              </a:rPr>
+              <a:t>'</a:t>
+            </a:r>
+            <a:r>
+              <a:rPr lang="en-US" b="0" dirty="0">
+                <a:solidFill>
+                  <a:srgbClr val="000000"/>
+                </a:solidFill>
+                <a:effectLst/>
+                <a:latin typeface="Consolas" panose="020B0609020204030204" pitchFamily="49" charset="0"/>
+              </a:rPr>
+              <a:t>] </a:t>
+            </a:r>
+            <a:r>
+              <a:rPr lang="en-US" b="0" dirty="0">
+                <a:solidFill>
+                  <a:srgbClr val="0A0A0A"/>
+                </a:solidFill>
+                <a:effectLst/>
+                <a:latin typeface="Consolas" panose="020B0609020204030204" pitchFamily="49" charset="0"/>
+              </a:rPr>
+              <a:t>=</a:t>
+            </a:r>
+            <a:r>
+              <a:rPr lang="en-US" b="0" dirty="0">
+                <a:solidFill>
+                  <a:srgbClr val="000000"/>
+                </a:solidFill>
+                <a:effectLst/>
+                <a:latin typeface="Consolas" panose="020B0609020204030204" pitchFamily="49" charset="0"/>
+              </a:rPr>
+              <a:t> </a:t>
+            </a:r>
+            <a:r>
+              <a:rPr lang="en-US" b="0" dirty="0" err="1">
+                <a:solidFill>
+                  <a:srgbClr val="061783"/>
+                </a:solidFill>
+                <a:effectLst/>
+                <a:latin typeface="Consolas" panose="020B0609020204030204" pitchFamily="49" charset="0"/>
+              </a:rPr>
+              <a:t>robust_scaler</a:t>
+            </a:r>
+            <a:r>
+              <a:rPr lang="en-US" b="0" dirty="0" err="1">
+                <a:solidFill>
+                  <a:srgbClr val="000000"/>
+                </a:solidFill>
+                <a:effectLst/>
+                <a:latin typeface="Consolas" panose="020B0609020204030204" pitchFamily="49" charset="0"/>
+              </a:rPr>
+              <a:t>.fit_transform</a:t>
+            </a:r>
+            <a:r>
+              <a:rPr lang="en-US" b="0" dirty="0">
+                <a:solidFill>
+                  <a:srgbClr val="000000"/>
+                </a:solidFill>
+                <a:effectLst/>
+                <a:latin typeface="Consolas" panose="020B0609020204030204" pitchFamily="49" charset="0"/>
+              </a:rPr>
+              <a:t>(</a:t>
+            </a:r>
+            <a:r>
+              <a:rPr lang="en-US" b="0" dirty="0" err="1">
+                <a:solidFill>
+                  <a:srgbClr val="061783"/>
+                </a:solidFill>
+                <a:effectLst/>
+                <a:latin typeface="Consolas" panose="020B0609020204030204" pitchFamily="49" charset="0"/>
+              </a:rPr>
+              <a:t>titanic_df</a:t>
+            </a:r>
+            <a:r>
+              <a:rPr lang="en-US" b="0" dirty="0">
+                <a:solidFill>
+                  <a:srgbClr val="000000"/>
+                </a:solidFill>
+                <a:effectLst/>
+                <a:latin typeface="Consolas" panose="020B0609020204030204" pitchFamily="49" charset="0"/>
+              </a:rPr>
+              <a:t>[[</a:t>
+            </a:r>
+            <a:r>
+              <a:rPr lang="en-US" b="0" dirty="0">
+                <a:solidFill>
+                  <a:srgbClr val="AE3131"/>
+                </a:solidFill>
+                <a:effectLst/>
+                <a:latin typeface="Consolas" panose="020B0609020204030204" pitchFamily="49" charset="0"/>
+              </a:rPr>
+              <a:t>'fare'</a:t>
+            </a:r>
+            <a:r>
+              <a:rPr lang="en-US" b="0" dirty="0">
+                <a:solidFill>
+                  <a:srgbClr val="000000"/>
+                </a:solidFill>
+                <a:effectLst/>
+                <a:latin typeface="Consolas" panose="020B0609020204030204" pitchFamily="49" charset="0"/>
+              </a:rPr>
+              <a:t>]])</a:t>
+            </a:r>
+          </a:p>
+          <a:p>
+            <a:pPr>
+              <a:lnSpc>
+                <a:spcPts val="1425"/>
+              </a:lnSpc>
+              <a:buNone/>
+            </a:pPr>
+            <a:r>
+              <a:rPr lang="en-US" b="0" dirty="0" err="1">
+                <a:solidFill>
+                  <a:srgbClr val="061783"/>
+                </a:solidFill>
+                <a:effectLst/>
+                <a:latin typeface="Consolas" panose="020B0609020204030204" pitchFamily="49" charset="0"/>
+              </a:rPr>
+              <a:t>titanic_df</a:t>
+            </a:r>
+            <a:r>
+              <a:rPr lang="en-US" b="0" dirty="0">
+                <a:solidFill>
+                  <a:srgbClr val="000000"/>
+                </a:solidFill>
+                <a:effectLst/>
+                <a:latin typeface="Consolas" panose="020B0609020204030204" pitchFamily="49" charset="0"/>
+              </a:rPr>
+              <a:t>[</a:t>
+            </a:r>
+            <a:r>
+              <a:rPr lang="en-US" b="0" dirty="0">
+                <a:solidFill>
+                  <a:srgbClr val="AE3131"/>
+                </a:solidFill>
+                <a:effectLst/>
+                <a:latin typeface="Consolas" panose="020B0609020204030204" pitchFamily="49" charset="0"/>
+              </a:rPr>
+              <a:t>'</a:t>
+            </a:r>
+            <a:r>
+              <a:rPr lang="en-US" b="0" dirty="0" err="1">
+                <a:solidFill>
+                  <a:srgbClr val="AE3131"/>
+                </a:solidFill>
+                <a:effectLst/>
+                <a:latin typeface="Consolas" panose="020B0609020204030204" pitchFamily="49" charset="0"/>
+              </a:rPr>
+              <a:t>fare_std</a:t>
+            </a:r>
+            <a:r>
+              <a:rPr lang="en-US" b="0" dirty="0">
+                <a:solidFill>
+                  <a:srgbClr val="AE3131"/>
+                </a:solidFill>
+                <a:effectLst/>
+                <a:latin typeface="Consolas" panose="020B0609020204030204" pitchFamily="49" charset="0"/>
+              </a:rPr>
+              <a:t>'</a:t>
+            </a:r>
+            <a:r>
+              <a:rPr lang="en-US" b="0" dirty="0">
+                <a:solidFill>
+                  <a:srgbClr val="000000"/>
+                </a:solidFill>
+                <a:effectLst/>
+                <a:latin typeface="Consolas" panose="020B0609020204030204" pitchFamily="49" charset="0"/>
+              </a:rPr>
+              <a:t>] </a:t>
+            </a:r>
+            <a:r>
+              <a:rPr lang="en-US" b="0" dirty="0">
+                <a:solidFill>
+                  <a:srgbClr val="0A0A0A"/>
+                </a:solidFill>
+                <a:effectLst/>
+                <a:latin typeface="Consolas" panose="020B0609020204030204" pitchFamily="49" charset="0"/>
+              </a:rPr>
+              <a:t>=</a:t>
+            </a:r>
+            <a:r>
+              <a:rPr lang="en-US" b="0" dirty="0">
+                <a:solidFill>
+                  <a:srgbClr val="000000"/>
+                </a:solidFill>
+                <a:effectLst/>
+                <a:latin typeface="Consolas" panose="020B0609020204030204" pitchFamily="49" charset="0"/>
+              </a:rPr>
+              <a:t> </a:t>
+            </a:r>
+            <a:r>
+              <a:rPr lang="en-US" b="0" dirty="0" err="1">
+                <a:solidFill>
+                  <a:srgbClr val="061783"/>
+                </a:solidFill>
+                <a:effectLst/>
+                <a:latin typeface="Consolas" panose="020B0609020204030204" pitchFamily="49" charset="0"/>
+              </a:rPr>
+              <a:t>std_scaler</a:t>
+            </a:r>
+            <a:r>
+              <a:rPr lang="en-US" b="0" dirty="0" err="1">
+                <a:solidFill>
+                  <a:srgbClr val="000000"/>
+                </a:solidFill>
+                <a:effectLst/>
+                <a:latin typeface="Consolas" panose="020B0609020204030204" pitchFamily="49" charset="0"/>
+              </a:rPr>
+              <a:t>.fit_transform</a:t>
+            </a:r>
+            <a:r>
+              <a:rPr lang="en-US" b="0" dirty="0">
+                <a:solidFill>
+                  <a:srgbClr val="000000"/>
+                </a:solidFill>
+                <a:effectLst/>
+                <a:latin typeface="Consolas" panose="020B0609020204030204" pitchFamily="49" charset="0"/>
+              </a:rPr>
+              <a:t>(</a:t>
+            </a:r>
+            <a:r>
+              <a:rPr lang="en-US" b="0" dirty="0" err="1">
+                <a:solidFill>
+                  <a:srgbClr val="061783"/>
+                </a:solidFill>
+                <a:effectLst/>
+                <a:latin typeface="Consolas" panose="020B0609020204030204" pitchFamily="49" charset="0"/>
+              </a:rPr>
+              <a:t>titanic_df</a:t>
+            </a:r>
+            <a:r>
+              <a:rPr lang="en-US" b="0" dirty="0">
+                <a:solidFill>
+                  <a:srgbClr val="000000"/>
+                </a:solidFill>
+                <a:effectLst/>
+                <a:latin typeface="Consolas" panose="020B0609020204030204" pitchFamily="49" charset="0"/>
+              </a:rPr>
+              <a:t>[[</a:t>
+            </a:r>
+            <a:r>
+              <a:rPr lang="en-US" b="0" dirty="0">
+                <a:solidFill>
+                  <a:srgbClr val="AE3131"/>
+                </a:solidFill>
+                <a:effectLst/>
+                <a:latin typeface="Consolas" panose="020B0609020204030204" pitchFamily="49" charset="0"/>
+              </a:rPr>
+              <a:t>'fare'</a:t>
+            </a:r>
+            <a:r>
+              <a:rPr lang="en-US" b="0" dirty="0">
+                <a:solidFill>
+                  <a:srgbClr val="000000"/>
+                </a:solidFill>
+                <a:effectLst/>
+                <a:latin typeface="Consolas" panose="020B0609020204030204" pitchFamily="49" charset="0"/>
+              </a:rPr>
+              <a:t>]])</a:t>
+            </a:r>
+          </a:p>
+          <a:p>
+            <a:pPr>
+              <a:lnSpc>
+                <a:spcPts val="1425"/>
+              </a:lnSpc>
+              <a:buNone/>
+            </a:pPr>
+            <a:br>
+              <a:rPr lang="en-US" b="0" dirty="0">
+                <a:solidFill>
+                  <a:srgbClr val="000000"/>
+                </a:solidFill>
+                <a:effectLst/>
+                <a:latin typeface="Consolas" panose="020B0609020204030204" pitchFamily="49" charset="0"/>
+              </a:rPr>
+            </a:br>
+            <a:r>
+              <a:rPr lang="en-US" b="0" dirty="0">
+                <a:solidFill>
+                  <a:srgbClr val="B513DE"/>
+                </a:solidFill>
+                <a:effectLst/>
+                <a:latin typeface="Consolas" panose="020B0609020204030204" pitchFamily="49" charset="0"/>
+              </a:rPr>
+              <a:t>print</a:t>
+            </a:r>
+            <a:r>
+              <a:rPr lang="en-US" b="0" dirty="0">
+                <a:solidFill>
+                  <a:srgbClr val="000000"/>
+                </a:solidFill>
+                <a:effectLst/>
+                <a:latin typeface="Consolas" panose="020B0609020204030204" pitchFamily="49" charset="0"/>
+              </a:rPr>
+              <a:t>(</a:t>
+            </a:r>
+            <a:r>
+              <a:rPr lang="en-US" b="0" dirty="0">
+                <a:solidFill>
+                  <a:srgbClr val="AE3131"/>
+                </a:solidFill>
+                <a:effectLst/>
+                <a:latin typeface="Consolas" panose="020B0609020204030204" pitchFamily="49" charset="0"/>
+              </a:rPr>
+              <a:t>'STATS OF SCALED AGE COMPARED TO AGE WITH OUT SCALING'</a:t>
+            </a:r>
+            <a:r>
+              <a:rPr lang="en-US" b="0" dirty="0">
+                <a:solidFill>
+                  <a:srgbClr val="000000"/>
+                </a:solidFill>
+                <a:effectLst/>
+                <a:latin typeface="Consolas" panose="020B0609020204030204" pitchFamily="49" charset="0"/>
+              </a:rPr>
+              <a:t>)</a:t>
+            </a:r>
+          </a:p>
+          <a:p>
+            <a:pPr>
+              <a:lnSpc>
+                <a:spcPts val="1425"/>
+              </a:lnSpc>
+              <a:buNone/>
+            </a:pPr>
+            <a:r>
+              <a:rPr lang="en-US" b="0" dirty="0">
+                <a:solidFill>
+                  <a:srgbClr val="B513DE"/>
+                </a:solidFill>
+                <a:effectLst/>
+                <a:latin typeface="Consolas" panose="020B0609020204030204" pitchFamily="49" charset="0"/>
+              </a:rPr>
+              <a:t>print</a:t>
+            </a:r>
+            <a:r>
+              <a:rPr lang="en-US" b="0" dirty="0">
+                <a:solidFill>
+                  <a:srgbClr val="000000"/>
+                </a:solidFill>
+                <a:effectLst/>
+                <a:latin typeface="Consolas" panose="020B0609020204030204" pitchFamily="49" charset="0"/>
+              </a:rPr>
+              <a:t>(</a:t>
+            </a:r>
+            <a:r>
+              <a:rPr lang="en-US" b="0" dirty="0" err="1">
+                <a:solidFill>
+                  <a:srgbClr val="061783"/>
+                </a:solidFill>
+                <a:effectLst/>
+                <a:latin typeface="Consolas" panose="020B0609020204030204" pitchFamily="49" charset="0"/>
+              </a:rPr>
+              <a:t>titanic_df</a:t>
+            </a:r>
+            <a:r>
+              <a:rPr lang="en-US" b="0" dirty="0">
+                <a:solidFill>
+                  <a:srgbClr val="000000"/>
+                </a:solidFill>
+                <a:effectLst/>
+                <a:latin typeface="Consolas" panose="020B0609020204030204" pitchFamily="49" charset="0"/>
+              </a:rPr>
+              <a:t>[[</a:t>
+            </a:r>
+            <a:r>
+              <a:rPr lang="en-US" b="0" dirty="0">
+                <a:solidFill>
+                  <a:srgbClr val="AE3131"/>
+                </a:solidFill>
+                <a:effectLst/>
+                <a:latin typeface="Consolas" panose="020B0609020204030204" pitchFamily="49" charset="0"/>
+              </a:rPr>
+              <a:t>'age'</a:t>
+            </a:r>
+            <a:r>
+              <a:rPr lang="en-US" b="0" dirty="0">
+                <a:solidFill>
+                  <a:srgbClr val="000000"/>
+                </a:solidFill>
+                <a:effectLst/>
+                <a:latin typeface="Consolas" panose="020B0609020204030204" pitchFamily="49" charset="0"/>
+              </a:rPr>
+              <a:t>,</a:t>
+            </a:r>
+            <a:r>
+              <a:rPr lang="en-US" b="0" dirty="0">
+                <a:solidFill>
+                  <a:srgbClr val="AE3131"/>
+                </a:solidFill>
+                <a:effectLst/>
+                <a:latin typeface="Consolas" panose="020B0609020204030204" pitchFamily="49" charset="0"/>
+              </a:rPr>
+              <a:t>'</a:t>
+            </a:r>
+            <a:r>
+              <a:rPr lang="en-US" b="0" dirty="0" err="1">
+                <a:solidFill>
+                  <a:srgbClr val="AE3131"/>
+                </a:solidFill>
+                <a:effectLst/>
+                <a:latin typeface="Consolas" panose="020B0609020204030204" pitchFamily="49" charset="0"/>
+              </a:rPr>
+              <a:t>age_min_max</a:t>
+            </a:r>
+            <a:r>
+              <a:rPr lang="en-US" b="0" dirty="0">
+                <a:solidFill>
+                  <a:srgbClr val="AE3131"/>
+                </a:solidFill>
+                <a:effectLst/>
+                <a:latin typeface="Consolas" panose="020B0609020204030204" pitchFamily="49" charset="0"/>
+              </a:rPr>
+              <a:t>'</a:t>
+            </a:r>
+            <a:r>
+              <a:rPr lang="en-US" b="0" dirty="0">
+                <a:solidFill>
+                  <a:srgbClr val="000000"/>
+                </a:solidFill>
+                <a:effectLst/>
+                <a:latin typeface="Consolas" panose="020B0609020204030204" pitchFamily="49" charset="0"/>
+              </a:rPr>
+              <a:t>, </a:t>
+            </a:r>
+            <a:r>
+              <a:rPr lang="en-US" b="0" dirty="0">
+                <a:solidFill>
+                  <a:srgbClr val="AE3131"/>
+                </a:solidFill>
+                <a:effectLst/>
+                <a:latin typeface="Consolas" panose="020B0609020204030204" pitchFamily="49" charset="0"/>
+              </a:rPr>
+              <a:t>'</a:t>
+            </a:r>
+            <a:r>
+              <a:rPr lang="en-US" b="0" dirty="0" err="1">
+                <a:solidFill>
+                  <a:srgbClr val="AE3131"/>
+                </a:solidFill>
+                <a:effectLst/>
+                <a:latin typeface="Consolas" panose="020B0609020204030204" pitchFamily="49" charset="0"/>
+              </a:rPr>
+              <a:t>age_robust</a:t>
+            </a:r>
+            <a:r>
+              <a:rPr lang="en-US" b="0" dirty="0">
+                <a:solidFill>
+                  <a:srgbClr val="AE3131"/>
+                </a:solidFill>
+                <a:effectLst/>
+                <a:latin typeface="Consolas" panose="020B0609020204030204" pitchFamily="49" charset="0"/>
+              </a:rPr>
+              <a:t>'</a:t>
+            </a:r>
+            <a:r>
+              <a:rPr lang="en-US" b="0" dirty="0">
+                <a:solidFill>
+                  <a:srgbClr val="000000"/>
+                </a:solidFill>
+                <a:effectLst/>
+                <a:latin typeface="Consolas" panose="020B0609020204030204" pitchFamily="49" charset="0"/>
+              </a:rPr>
+              <a:t>, </a:t>
+            </a:r>
+            <a:r>
+              <a:rPr lang="en-US" b="0" dirty="0">
+                <a:solidFill>
+                  <a:srgbClr val="AE3131"/>
+                </a:solidFill>
+                <a:effectLst/>
+                <a:latin typeface="Consolas" panose="020B0609020204030204" pitchFamily="49" charset="0"/>
+              </a:rPr>
+              <a:t>'</a:t>
+            </a:r>
+            <a:r>
+              <a:rPr lang="en-US" b="0" dirty="0" err="1">
+                <a:solidFill>
+                  <a:srgbClr val="AE3131"/>
+                </a:solidFill>
+                <a:effectLst/>
+                <a:latin typeface="Consolas" panose="020B0609020204030204" pitchFamily="49" charset="0"/>
+              </a:rPr>
+              <a:t>age_std</a:t>
+            </a:r>
+            <a:r>
+              <a:rPr lang="en-US" b="0" dirty="0">
+                <a:solidFill>
+                  <a:srgbClr val="AE3131"/>
+                </a:solidFill>
+                <a:effectLst/>
+                <a:latin typeface="Consolas" panose="020B0609020204030204" pitchFamily="49" charset="0"/>
+              </a:rPr>
+              <a:t>'</a:t>
+            </a:r>
+            <a:r>
+              <a:rPr lang="en-US" b="0" dirty="0">
+                <a:solidFill>
+                  <a:srgbClr val="000000"/>
+                </a:solidFill>
+                <a:effectLst/>
+                <a:latin typeface="Consolas" panose="020B0609020204030204" pitchFamily="49" charset="0"/>
+              </a:rPr>
+              <a:t>]].describe())</a:t>
+            </a:r>
+          </a:p>
+          <a:p>
+            <a:pPr>
+              <a:lnSpc>
+                <a:spcPts val="1425"/>
+              </a:lnSpc>
+              <a:buNone/>
+            </a:pPr>
+            <a:br>
+              <a:rPr lang="en-US" b="0" dirty="0">
+                <a:solidFill>
+                  <a:srgbClr val="000000"/>
+                </a:solidFill>
+                <a:effectLst/>
+                <a:latin typeface="Consolas" panose="020B0609020204030204" pitchFamily="49" charset="0"/>
+              </a:rPr>
+            </a:br>
+            <a:r>
+              <a:rPr lang="en-US" b="0" dirty="0">
+                <a:solidFill>
+                  <a:srgbClr val="B513DE"/>
+                </a:solidFill>
+                <a:effectLst/>
+                <a:latin typeface="Consolas" panose="020B0609020204030204" pitchFamily="49" charset="0"/>
+              </a:rPr>
+              <a:t>print</a:t>
+            </a:r>
+            <a:r>
+              <a:rPr lang="en-US" b="0" dirty="0">
+                <a:solidFill>
+                  <a:srgbClr val="000000"/>
+                </a:solidFill>
+                <a:effectLst/>
+                <a:latin typeface="Consolas" panose="020B0609020204030204" pitchFamily="49" charset="0"/>
+              </a:rPr>
+              <a:t>(</a:t>
+            </a:r>
+            <a:r>
+              <a:rPr lang="en-US" b="0" dirty="0">
+                <a:solidFill>
+                  <a:srgbClr val="AE3131"/>
+                </a:solidFill>
+                <a:effectLst/>
+                <a:latin typeface="Consolas" panose="020B0609020204030204" pitchFamily="49" charset="0"/>
+              </a:rPr>
+              <a:t>'STATS OF SCALED FARE COMPARED WITH OUT SCALING'</a:t>
+            </a:r>
+            <a:r>
+              <a:rPr lang="en-US" b="0" dirty="0">
+                <a:solidFill>
+                  <a:srgbClr val="000000"/>
+                </a:solidFill>
+                <a:effectLst/>
+                <a:latin typeface="Consolas" panose="020B0609020204030204" pitchFamily="49" charset="0"/>
+              </a:rPr>
+              <a:t>)</a:t>
+            </a:r>
+          </a:p>
+          <a:p>
+            <a:pPr>
+              <a:lnSpc>
+                <a:spcPts val="1425"/>
+              </a:lnSpc>
+            </a:pPr>
+            <a:r>
+              <a:rPr lang="en-US" b="0" dirty="0">
+                <a:solidFill>
+                  <a:srgbClr val="B513DE"/>
+                </a:solidFill>
+                <a:effectLst/>
+                <a:latin typeface="Consolas" panose="020B0609020204030204" pitchFamily="49" charset="0"/>
+              </a:rPr>
+              <a:t>print</a:t>
+            </a:r>
+            <a:r>
+              <a:rPr lang="en-US" b="0" dirty="0">
+                <a:solidFill>
+                  <a:srgbClr val="000000"/>
+                </a:solidFill>
+                <a:effectLst/>
+                <a:latin typeface="Consolas" panose="020B0609020204030204" pitchFamily="49" charset="0"/>
+              </a:rPr>
+              <a:t>(</a:t>
+            </a:r>
+            <a:r>
+              <a:rPr lang="en-US" b="0" dirty="0" err="1">
+                <a:solidFill>
+                  <a:srgbClr val="061783"/>
+                </a:solidFill>
+                <a:effectLst/>
+                <a:latin typeface="Consolas" panose="020B0609020204030204" pitchFamily="49" charset="0"/>
+              </a:rPr>
+              <a:t>titanic_df</a:t>
+            </a:r>
+            <a:r>
+              <a:rPr lang="en-US" b="0" dirty="0">
+                <a:solidFill>
+                  <a:srgbClr val="000000"/>
+                </a:solidFill>
+                <a:effectLst/>
+                <a:latin typeface="Consolas" panose="020B0609020204030204" pitchFamily="49" charset="0"/>
+              </a:rPr>
+              <a:t>[[</a:t>
+            </a:r>
+            <a:r>
+              <a:rPr lang="en-US" b="0" dirty="0">
+                <a:solidFill>
+                  <a:srgbClr val="AE3131"/>
+                </a:solidFill>
+                <a:effectLst/>
+                <a:latin typeface="Consolas" panose="020B0609020204030204" pitchFamily="49" charset="0"/>
+              </a:rPr>
+              <a:t>'fare'</a:t>
+            </a:r>
+            <a:r>
+              <a:rPr lang="en-US" b="0" dirty="0">
+                <a:solidFill>
+                  <a:srgbClr val="000000"/>
+                </a:solidFill>
+                <a:effectLst/>
+                <a:latin typeface="Consolas" panose="020B0609020204030204" pitchFamily="49" charset="0"/>
+              </a:rPr>
+              <a:t>,</a:t>
+            </a:r>
+            <a:r>
+              <a:rPr lang="en-US" b="0" dirty="0">
+                <a:solidFill>
+                  <a:srgbClr val="AE3131"/>
+                </a:solidFill>
+                <a:effectLst/>
+                <a:latin typeface="Consolas" panose="020B0609020204030204" pitchFamily="49" charset="0"/>
+              </a:rPr>
+              <a:t>'</a:t>
+            </a:r>
+            <a:r>
+              <a:rPr lang="en-US" b="0" dirty="0" err="1">
+                <a:solidFill>
+                  <a:srgbClr val="AE3131"/>
+                </a:solidFill>
+                <a:effectLst/>
+                <a:latin typeface="Consolas" panose="020B0609020204030204" pitchFamily="49" charset="0"/>
+              </a:rPr>
+              <a:t>fare_min_max</a:t>
+            </a:r>
+            <a:r>
+              <a:rPr lang="en-US" b="0" dirty="0">
+                <a:solidFill>
+                  <a:srgbClr val="AE3131"/>
+                </a:solidFill>
+                <a:effectLst/>
+                <a:latin typeface="Consolas" panose="020B0609020204030204" pitchFamily="49" charset="0"/>
+              </a:rPr>
+              <a:t>'</a:t>
+            </a:r>
+            <a:r>
+              <a:rPr lang="en-US" b="0" dirty="0">
+                <a:solidFill>
+                  <a:srgbClr val="000000"/>
+                </a:solidFill>
+                <a:effectLst/>
+                <a:latin typeface="Consolas" panose="020B0609020204030204" pitchFamily="49" charset="0"/>
+              </a:rPr>
+              <a:t>, </a:t>
+            </a:r>
+            <a:r>
+              <a:rPr lang="en-US" b="0" dirty="0">
+                <a:solidFill>
+                  <a:srgbClr val="AE3131"/>
+                </a:solidFill>
+                <a:effectLst/>
+                <a:latin typeface="Consolas" panose="020B0609020204030204" pitchFamily="49" charset="0"/>
+              </a:rPr>
+              <a:t>'</a:t>
+            </a:r>
+            <a:r>
+              <a:rPr lang="en-US" b="0" dirty="0" err="1">
+                <a:solidFill>
+                  <a:srgbClr val="AE3131"/>
+                </a:solidFill>
+                <a:effectLst/>
+                <a:latin typeface="Consolas" panose="020B0609020204030204" pitchFamily="49" charset="0"/>
+              </a:rPr>
+              <a:t>fare_robust</a:t>
+            </a:r>
+            <a:r>
+              <a:rPr lang="en-US" b="0" dirty="0">
+                <a:solidFill>
+                  <a:srgbClr val="AE3131"/>
+                </a:solidFill>
+                <a:effectLst/>
+                <a:latin typeface="Consolas" panose="020B0609020204030204" pitchFamily="49" charset="0"/>
+              </a:rPr>
+              <a:t>'</a:t>
+            </a:r>
+            <a:r>
+              <a:rPr lang="en-US" b="0" dirty="0">
+                <a:solidFill>
+                  <a:srgbClr val="000000"/>
+                </a:solidFill>
+                <a:effectLst/>
+                <a:latin typeface="Consolas" panose="020B0609020204030204" pitchFamily="49" charset="0"/>
+              </a:rPr>
+              <a:t>, </a:t>
+            </a:r>
+            <a:r>
+              <a:rPr lang="en-US" b="0" dirty="0">
+                <a:solidFill>
+                  <a:srgbClr val="AE3131"/>
+                </a:solidFill>
+                <a:effectLst/>
+                <a:latin typeface="Consolas" panose="020B0609020204030204" pitchFamily="49" charset="0"/>
+              </a:rPr>
+              <a:t>'</a:t>
+            </a:r>
+            <a:r>
+              <a:rPr lang="en-US" b="0" dirty="0" err="1">
+                <a:solidFill>
+                  <a:srgbClr val="AE3131"/>
+                </a:solidFill>
+                <a:effectLst/>
+                <a:latin typeface="Consolas" panose="020B0609020204030204" pitchFamily="49" charset="0"/>
+              </a:rPr>
+              <a:t>fare_std</a:t>
+            </a:r>
+            <a:r>
+              <a:rPr lang="en-US" b="0" dirty="0">
+                <a:solidFill>
+                  <a:srgbClr val="AE3131"/>
+                </a:solidFill>
+                <a:effectLst/>
+                <a:latin typeface="Consolas" panose="020B0609020204030204" pitchFamily="49" charset="0"/>
+              </a:rPr>
+              <a:t>'</a:t>
+            </a:r>
+            <a:r>
+              <a:rPr lang="en-US" b="0" dirty="0">
+                <a:solidFill>
+                  <a:srgbClr val="000000"/>
+                </a:solidFill>
+                <a:effectLst/>
+                <a:latin typeface="Consolas" panose="020B0609020204030204" pitchFamily="49" charset="0"/>
+              </a:rPr>
+              <a:t>]].describe())</a:t>
             </a:r>
           </a:p>
           <a:p>
             <a:endParaRPr lang="en-US" dirty="0"/>
-          </a:p>
-          <a:p>
-            <a:r>
-              <a:rPr lang="en-US" dirty="0"/>
-              <a:t>My Why: I want my work to make an impact and provide a helpful tool that will be used to solve real-world business problems.</a:t>
-            </a:r>
-          </a:p>
-          <a:p>
-            <a:endParaRPr lang="en-US" dirty="0"/>
-          </a:p>
-          <a:p>
-            <a:r>
-              <a:rPr lang="en-US" dirty="0"/>
-              <a:t>Personal Value Statement: </a:t>
-            </a:r>
           </a:p>
         </p:txBody>
       </p:sp>
@@ -4552,7 +6373,7 @@
     </p:spTree>
     <p:extLst>
       <p:ext uri="{BB962C8B-B14F-4D97-AF65-F5344CB8AC3E}">
-        <p14:creationId xmlns:p14="http://schemas.microsoft.com/office/powerpoint/2010/main" val="2833019478"/>
+        <p14:creationId xmlns:p14="http://schemas.microsoft.com/office/powerpoint/2010/main" val="868146673"/>
       </p:ext>
     </p:extLst>
   </p:cSld>
@@ -4606,79 +6427,73 @@
           <a:bodyPr/>
           <a:lstStyle/>
           <a:p>
-            <a:pPr>
-              <a:buNone/>
-            </a:pPr>
-            <a:r>
-              <a:rPr lang="en-US" b="1" dirty="0"/>
-              <a:t>Personal Values Statement</a:t>
-            </a:r>
-          </a:p>
-          <a:p>
-            <a:pPr>
-              <a:buNone/>
-            </a:pPr>
+            <a:r>
+              <a:rPr lang="en-US" dirty="0"/>
+              <a:t>Generated by Clauda AI</a:t>
+            </a:r>
+          </a:p>
+          <a:p>
+            <a:r>
+              <a:rPr lang="en-US" dirty="0"/>
+              <a:t>The original data does not show up on chart because the original values would not fit in range.</a:t>
+            </a:r>
+          </a:p>
+          <a:p>
             <a:endParaRPr lang="en-US" dirty="0"/>
           </a:p>
           <a:p>
-            <a:pPr>
-              <a:buNone/>
-            </a:pPr>
-            <a:r>
-              <a:rPr lang="en-US" dirty="0"/>
-              <a:t>Data-driven decision making paired with human insight is at the core of my professional philosophy. I believe in leveraging analytical precision while maintaining a compassionate approach to leadership and innovation.</a:t>
-            </a:r>
-          </a:p>
-          <a:p>
-            <a:pPr>
-              <a:buNone/>
-            </a:pPr>
-            <a:r>
-              <a:rPr lang="en-US" dirty="0"/>
-              <a:t>I value technical excellence and continuous learning, committing myself to mastering emerging database technologies and analytical methodologies. I embrace complexity as an opportunity to develop elegant solutions that drive business value.</a:t>
-            </a:r>
-          </a:p>
-          <a:p>
-            <a:pPr>
-              <a:buNone/>
-            </a:pPr>
+            <a:r>
+              <a:rPr lang="en-US" sz="1200" b="1" dirty="0"/>
+              <a:t>Negative Numbers?</a:t>
+            </a:r>
+          </a:p>
+          <a:p>
+            <a:endParaRPr lang="en-US" sz="1200" b="1" u="sng" dirty="0"/>
+          </a:p>
+          <a:p>
+            <a:r>
+              <a:rPr lang="en-US" sz="1200" b="1" u="sng" dirty="0" err="1"/>
+              <a:t>StandardScaler</a:t>
+            </a:r>
+            <a:r>
+              <a:rPr lang="en-US" sz="1200" dirty="0"/>
+              <a:t> centers data around zero, so negative values mean those ages are below the mean.</a:t>
+            </a:r>
+          </a:p>
+          <a:p>
+            <a:r>
+              <a:rPr lang="en-US" sz="1200" b="1" u="sng" dirty="0" err="1"/>
+              <a:t>RobustScale</a:t>
+            </a:r>
+            <a:r>
+              <a:rPr lang="en-US" sz="1200" dirty="0" err="1"/>
+              <a:t>r</a:t>
+            </a:r>
+            <a:r>
+              <a:rPr lang="en-US" sz="1200" dirty="0"/>
+              <a:t> centers data around the median and scales by the IQR, so negatives mean those ages are below the median.</a:t>
+            </a:r>
+          </a:p>
+          <a:p>
+            <a:endParaRPr lang="en-US" sz="1200" dirty="0"/>
+          </a:p>
+          <a:p>
+            <a:r>
+              <a:rPr lang="en-US" sz="1200" dirty="0"/>
+              <a:t>The original age column should never have negatives, but the scaled columns can. </a:t>
+            </a:r>
+          </a:p>
+          <a:p>
             <a:endParaRPr lang="en-US" dirty="0"/>
           </a:p>
           <a:p>
-            <a:pPr>
-              <a:buNone/>
-            </a:pPr>
-            <a:r>
-              <a:rPr lang="en-US" dirty="0"/>
-              <a:t>Transparent communication is fundamental to my approach, ensuring that technical insights are translated into actionable knowledge for all stakeholders. I champion ethical data practices, respecting both privacy and the power of information to transform organizations.</a:t>
-            </a:r>
-          </a:p>
-          <a:p>
-            <a:pPr>
-              <a:buNone/>
-            </a:pPr>
             <a:endParaRPr lang="en-US" dirty="0"/>
           </a:p>
           <a:p>
-            <a:pPr>
-              <a:buNone/>
-            </a:pPr>
-            <a:r>
-              <a:rPr lang="en-US" dirty="0"/>
-              <a:t>As a leader, I foster collaborative environments where diverse perspectives enhance our collective problem-solving capabilities. I believe innovation thrives when team members feel empowered to contribute their unique expertise.</a:t>
-            </a:r>
-          </a:p>
-          <a:p>
-            <a:pPr>
-              <a:buNone/>
-            </a:pPr>
-            <a:r>
-              <a:rPr lang="en-US" dirty="0"/>
-              <a:t>I am committed to delivering measurable results while maintaining unwavering integrity in all aspects of my work. My ultimate aim is to create sustainable systems and processes that adapt to changing needs while consistently delivering excellence.</a:t>
-            </a:r>
-          </a:p>
-          <a:p>
-            <a:endParaRPr lang="en-US" dirty="0"/>
+            <a:r>
+              <a:rPr lang="en-US" dirty="0"/>
+              <a:t> </a:t>
+            </a:r>
           </a:p>
         </p:txBody>
       </p:sp>
@@ -4700,6 +6515,314 @@
             <a:fld id="{C24F3E57-140F-42E5-ACA7-3B197A5F54F0}" type="slidenum">
               <a:rPr lang="en-US" smtClean="0"/>
               <a:t>7</a:t>
+            </a:fld>
+            <a:endParaRPr lang="en-US"/>
+          </a:p>
+        </p:txBody>
+      </p:sp>
+    </p:spTree>
+    <p:extLst>
+      <p:ext uri="{BB962C8B-B14F-4D97-AF65-F5344CB8AC3E}">
+        <p14:creationId xmlns:p14="http://schemas.microsoft.com/office/powerpoint/2010/main" val="2671344902"/>
+      </p:ext>
+    </p:extLst>
+  </p:cSld>
+  <p:clrMapOvr>
+    <a:masterClrMapping/>
+  </p:clrMapOvr>
+</p:notes>
+</file>
+
+<file path=ppt/notesSlides/notesSlide8.xml><?xml version="1.0" encoding="utf-8"?>
+<p:notes xmlns:a="http://schemas.openxmlformats.org/drawingml/2006/main" xmlns:r="http://schemas.openxmlformats.org/officeDocument/2006/relationships" xmlns:p="http://schemas.openxmlformats.org/presentationml/2006/main">
+  <p:cSld>
+    <p:spTree>
+      <p:nvGrpSpPr>
+        <p:cNvPr id="1" name=""/>
+        <p:cNvGrpSpPr/>
+        <p:nvPr/>
+      </p:nvGrpSpPr>
+      <p:grpSpPr>
+        <a:xfrm>
+          <a:off x="0" y="0"/>
+          <a:ext cx="0" cy="0"/>
+          <a:chOff x="0" y="0"/>
+          <a:chExt cx="0" cy="0"/>
+        </a:xfrm>
+      </p:grpSpPr>
+      <p:sp>
+        <p:nvSpPr>
+          <p:cNvPr id="2" name="Slide Image Placeholder 1"/>
+          <p:cNvSpPr>
+            <a:spLocks noGrp="1" noRot="1" noChangeAspect="1"/>
+          </p:cNvSpPr>
+          <p:nvPr>
+            <p:ph type="sldImg"/>
+          </p:nvPr>
+        </p:nvSpPr>
+        <p:spPr/>
+      </p:sp>
+      <p:sp>
+        <p:nvSpPr>
+          <p:cNvPr id="3" name="Notes Placeholder 2"/>
+          <p:cNvSpPr>
+            <a:spLocks noGrp="1"/>
+          </p:cNvSpPr>
+          <p:nvPr>
+            <p:ph type="body" idx="1"/>
+          </p:nvPr>
+        </p:nvSpPr>
+        <p:spPr/>
+        <p:txBody>
+          <a:bodyPr/>
+          <a:lstStyle/>
+          <a:p>
+            <a:pPr marL="0" indent="0">
+              <a:buNone/>
+            </a:pPr>
+            <a:r>
+              <a:rPr lang="en-US" sz="1200" dirty="0"/>
+              <a:t>Contact: Norma Winters</a:t>
+            </a:r>
+          </a:p>
+          <a:p>
+            <a:pPr marL="0" indent="0">
+              <a:buNone/>
+            </a:pPr>
+            <a:r>
+              <a:rPr lang="en-US" sz="1200" dirty="0"/>
+              <a:t>       Cell: 616-719-7456</a:t>
+            </a:r>
+          </a:p>
+          <a:p>
+            <a:pPr marL="0" indent="0">
+              <a:buNone/>
+            </a:pPr>
+            <a:r>
+              <a:rPr lang="en-US" sz="1200" dirty="0"/>
+              <a:t>   Email: winters2nd@gmail.com</a:t>
+            </a:r>
+          </a:p>
+          <a:p>
+            <a:endParaRPr lang="en-US" dirty="0"/>
+          </a:p>
+          <a:p>
+            <a:pPr marL="0" marR="0" lvl="0" indent="0" algn="l" defTabSz="914400" rtl="0" eaLnBrk="1" fontAlgn="auto" latinLnBrk="0" hangingPunct="1">
+              <a:lnSpc>
+                <a:spcPct val="100000"/>
+              </a:lnSpc>
+              <a:spcBef>
+                <a:spcPts val="0"/>
+              </a:spcBef>
+              <a:spcAft>
+                <a:spcPts val="0"/>
+              </a:spcAft>
+              <a:buClrTx/>
+              <a:buSzTx/>
+              <a:buFontTx/>
+              <a:buNone/>
+              <a:tabLst/>
+              <a:defRPr/>
+            </a:pPr>
+            <a:r>
+              <a:rPr lang="en-US" sz="1200" dirty="0"/>
+              <a:t>Top Skills: Database, Analytics, Programming, Project Management, Innovation, Quality, Visualization</a:t>
+            </a:r>
+          </a:p>
+          <a:p>
+            <a:endParaRPr lang="en-US" dirty="0"/>
+          </a:p>
+          <a:p>
+            <a:r>
+              <a:rPr lang="en-US" dirty="0"/>
+              <a:t>My Why: I want my work to make an impact and provide a helpful tool that will be used to solve real-world business problems.</a:t>
+            </a:r>
+          </a:p>
+          <a:p>
+            <a:endParaRPr lang="en-US" dirty="0"/>
+          </a:p>
+          <a:p>
+            <a:r>
+              <a:rPr lang="en-US" dirty="0"/>
+              <a:t>Personal Value Statement: </a:t>
+            </a:r>
+          </a:p>
+        </p:txBody>
+      </p:sp>
+      <p:sp>
+        <p:nvSpPr>
+          <p:cNvPr id="4" name="Slide Number Placeholder 3"/>
+          <p:cNvSpPr>
+            <a:spLocks noGrp="1"/>
+          </p:cNvSpPr>
+          <p:nvPr>
+            <p:ph type="sldNum" sz="quarter" idx="5"/>
+          </p:nvPr>
+        </p:nvSpPr>
+        <p:spPr/>
+        <p:txBody>
+          <a:bodyPr/>
+          <a:lstStyle/>
+          <a:p>
+            <a:fld id="{C24F3E57-140F-42E5-ACA7-3B197A5F54F0}" type="slidenum">
+              <a:rPr lang="en-US" smtClean="0"/>
+              <a:t>8</a:t>
+            </a:fld>
+            <a:endParaRPr lang="en-US"/>
+          </a:p>
+        </p:txBody>
+      </p:sp>
+    </p:spTree>
+    <p:extLst>
+      <p:ext uri="{BB962C8B-B14F-4D97-AF65-F5344CB8AC3E}">
+        <p14:creationId xmlns:p14="http://schemas.microsoft.com/office/powerpoint/2010/main" val="2833019478"/>
+      </p:ext>
+    </p:extLst>
+  </p:cSld>
+  <p:clrMapOvr>
+    <a:masterClrMapping/>
+  </p:clrMapOvr>
+</p:notes>
+</file>
+
+<file path=ppt/notesSlides/notesSlide9.xml><?xml version="1.0" encoding="utf-8"?>
+<p:notes xmlns:a="http://schemas.openxmlformats.org/drawingml/2006/main" xmlns:r="http://schemas.openxmlformats.org/officeDocument/2006/relationships" xmlns:p="http://schemas.openxmlformats.org/presentationml/2006/main">
+  <p:cSld>
+    <p:spTree>
+      <p:nvGrpSpPr>
+        <p:cNvPr id="1" name=""/>
+        <p:cNvGrpSpPr/>
+        <p:nvPr/>
+      </p:nvGrpSpPr>
+      <p:grpSpPr>
+        <a:xfrm>
+          <a:off x="0" y="0"/>
+          <a:ext cx="0" cy="0"/>
+          <a:chOff x="0" y="0"/>
+          <a:chExt cx="0" cy="0"/>
+        </a:xfrm>
+      </p:grpSpPr>
+      <p:sp>
+        <p:nvSpPr>
+          <p:cNvPr id="2" name="Slide Image Placeholder 1"/>
+          <p:cNvSpPr>
+            <a:spLocks noGrp="1" noRot="1" noChangeAspect="1"/>
+          </p:cNvSpPr>
+          <p:nvPr>
+            <p:ph type="sldImg"/>
+          </p:nvPr>
+        </p:nvSpPr>
+        <p:spPr/>
+      </p:sp>
+      <p:sp>
+        <p:nvSpPr>
+          <p:cNvPr id="3" name="Notes Placeholder 2"/>
+          <p:cNvSpPr>
+            <a:spLocks noGrp="1"/>
+          </p:cNvSpPr>
+          <p:nvPr>
+            <p:ph type="body" idx="1"/>
+          </p:nvPr>
+        </p:nvSpPr>
+        <p:spPr/>
+        <p:txBody>
+          <a:bodyPr/>
+          <a:lstStyle/>
+          <a:p>
+            <a:pPr>
+              <a:buNone/>
+            </a:pPr>
+            <a:r>
+              <a:rPr lang="en-US" b="1" dirty="0"/>
+              <a:t>Personal Values Statement</a:t>
+            </a:r>
+          </a:p>
+          <a:p>
+            <a:pPr>
+              <a:buNone/>
+            </a:pPr>
+            <a:endParaRPr lang="en-US" dirty="0"/>
+          </a:p>
+          <a:p>
+            <a:pPr>
+              <a:buNone/>
+            </a:pPr>
+            <a:r>
+              <a:rPr lang="en-US" dirty="0"/>
+              <a:t>Data-driven decision making paired with human insight is at the core of my professional philosophy. I believe in leveraging analytical precision while maintaining a compassionate approach to leadership and innovation.</a:t>
+            </a:r>
+          </a:p>
+          <a:p>
+            <a:pPr>
+              <a:buNone/>
+            </a:pPr>
+            <a:r>
+              <a:rPr lang="en-US" dirty="0"/>
+              <a:t>I value technical excellence and continuous learning, committing myself to mastering emerging database technologies and analytical methodologies. I embrace complexity as an opportunity to develop elegant solutions that drive business value.</a:t>
+            </a:r>
+          </a:p>
+          <a:p>
+            <a:pPr>
+              <a:buNone/>
+            </a:pPr>
+            <a:endParaRPr lang="en-US" dirty="0"/>
+          </a:p>
+          <a:p>
+            <a:pPr>
+              <a:buNone/>
+            </a:pPr>
+            <a:r>
+              <a:rPr lang="en-US" dirty="0"/>
+              <a:t>Transparent communication is fundamental to my approach, ensuring that technical insights are translated into actionable knowledge for all stakeholders. I champion ethical data practices, respecting both privacy and the power of information to transform organizations.</a:t>
+            </a:r>
+          </a:p>
+          <a:p>
+            <a:pPr>
+              <a:buNone/>
+            </a:pPr>
+            <a:endParaRPr lang="en-US" dirty="0"/>
+          </a:p>
+          <a:p>
+            <a:pPr>
+              <a:buNone/>
+            </a:pPr>
+            <a:r>
+              <a:rPr lang="en-US" dirty="0"/>
+              <a:t>As a leader, I foster collaborative environments where diverse perspectives enhance our collective problem-solving capabilities. I believe innovation thrives when team members feel empowered to contribute their unique expertise.</a:t>
+            </a:r>
+          </a:p>
+          <a:p>
+            <a:pPr>
+              <a:buNone/>
+            </a:pPr>
+            <a:r>
+              <a:rPr lang="en-US" dirty="0"/>
+              <a:t>I am committed to delivering measurable results while maintaining unwavering integrity in all aspects of my work. My ultimate aim is to create sustainable systems and processes that adapt to changing needs while consistently delivering excellence.</a:t>
+            </a:r>
+          </a:p>
+          <a:p>
+            <a:endParaRPr lang="en-US" dirty="0"/>
+          </a:p>
+        </p:txBody>
+      </p:sp>
+      <p:sp>
+        <p:nvSpPr>
+          <p:cNvPr id="4" name="Slide Number Placeholder 3"/>
+          <p:cNvSpPr>
+            <a:spLocks noGrp="1"/>
+          </p:cNvSpPr>
+          <p:nvPr>
+            <p:ph type="sldNum" sz="quarter" idx="5"/>
+          </p:nvPr>
+        </p:nvSpPr>
+        <p:spPr/>
+        <p:txBody>
+          <a:bodyPr/>
+          <a:lstStyle/>
+          <a:p>
+            <a:fld id="{C24F3E57-140F-42E5-ACA7-3B197A5F54F0}" type="slidenum">
+              <a:rPr lang="en-US" smtClean="0"/>
+              <a:t>9</a:t>
             </a:fld>
             <a:endParaRPr lang="en-US"/>
           </a:p>
@@ -4897,7 +7020,7 @@
           <a:p>
             <a:fld id="{265B2A9E-FA78-4A40-988A-1CE830CDEED2}" type="datetime1">
               <a:rPr lang="en-US" smtClean="0"/>
-              <a:t>5/19/2025</a:t>
+              <a:t>5/20/2025</a:t>
             </a:fld>
             <a:endParaRPr lang="en-US"/>
           </a:p>
@@ -5132,7 +7255,7 @@
           <a:p>
             <a:fld id="{192A044C-D33A-4646-9F43-140BF7C29466}" type="datetime1">
               <a:rPr lang="en-US" smtClean="0"/>
-              <a:t>5/19/2025</a:t>
+              <a:t>5/20/2025</a:t>
             </a:fld>
             <a:endParaRPr lang="en-US"/>
           </a:p>
@@ -5377,7 +7500,7 @@
           <a:p>
             <a:fld id="{68F8761A-AF70-4876-A6F0-1286775C4F08}" type="datetime1">
               <a:rPr lang="en-US" smtClean="0"/>
-              <a:t>5/19/2025</a:t>
+              <a:t>5/20/2025</a:t>
             </a:fld>
             <a:endParaRPr lang="en-US"/>
           </a:p>
@@ -5613,7 +7736,7 @@
           <a:p>
             <a:fld id="{3C1596B4-361F-43A8-B168-DA893180BFB8}" type="datetime1">
               <a:rPr lang="en-US" smtClean="0"/>
-              <a:t>5/19/2025</a:t>
+              <a:t>5/20/2025</a:t>
             </a:fld>
             <a:endParaRPr lang="en-US"/>
           </a:p>
@@ -5855,7 +7978,7 @@
           <a:p>
             <a:fld id="{41B625F6-6FC2-4B0A-BA54-6199C805DC6A}" type="datetime1">
               <a:rPr lang="en-US" smtClean="0"/>
-              <a:t>5/19/2025</a:t>
+              <a:t>5/20/2025</a:t>
             </a:fld>
             <a:endParaRPr lang="en-US"/>
           </a:p>
@@ -6225,7 +8348,7 @@
           <a:p>
             <a:fld id="{290691E0-6248-44D5-A750-839F2D339198}" type="datetime1">
               <a:rPr lang="en-US" smtClean="0"/>
-              <a:t>5/19/2025</a:t>
+              <a:t>5/20/2025</a:t>
             </a:fld>
             <a:endParaRPr lang="en-US"/>
           </a:p>
@@ -6703,7 +8826,7 @@
           <a:p>
             <a:fld id="{E1F8FECA-DDCC-464F-B9A8-47361C66BB75}" type="datetime1">
               <a:rPr lang="en-US" smtClean="0"/>
-              <a:t>5/19/2025</a:t>
+              <a:t>5/20/2025</a:t>
             </a:fld>
             <a:endParaRPr lang="en-US"/>
           </a:p>
@@ -6861,7 +8984,7 @@
           <a:p>
             <a:fld id="{DDD018D0-BDA9-4E9F-8870-250C3889579F}" type="datetime1">
               <a:rPr lang="en-US" smtClean="0"/>
-              <a:t>5/19/2025</a:t>
+              <a:t>5/20/2025</a:t>
             </a:fld>
             <a:endParaRPr lang="en-US"/>
           </a:p>
@@ -6959,7 +9082,7 @@
           <a:p>
             <a:fld id="{288503B1-0D5A-42BC-A128-61B2437864A1}" type="datetime1">
               <a:rPr lang="en-US" smtClean="0"/>
-              <a:t>5/19/2025</a:t>
+              <a:t>5/20/2025</a:t>
             </a:fld>
             <a:endParaRPr lang="en-US"/>
           </a:p>
@@ -7278,7 +9401,7 @@
           <a:p>
             <a:fld id="{D9FAE372-5FD4-4FFB-A5DD-C7C4DBD88187}" type="datetime1">
               <a:rPr lang="en-US" smtClean="0"/>
-              <a:t>5/19/2025</a:t>
+              <a:t>5/20/2025</a:t>
             </a:fld>
             <a:endParaRPr lang="en-US"/>
           </a:p>
@@ -7630,7 +9753,7 @@
           <a:p>
             <a:fld id="{CC4F1B37-C5DC-405E-883E-319F886D767C}" type="datetime1">
               <a:rPr lang="en-US" smtClean="0"/>
-              <a:t>5/19/2025</a:t>
+              <a:t>5/20/2025</a:t>
             </a:fld>
             <a:endParaRPr lang="en-US"/>
           </a:p>
@@ -7974,7 +10097,7 @@
             <a:fld id="{D48ACC58-83F3-4B99-B532-0249FFBF33C7}" type="datetime1">
               <a:rPr lang="en-US" smtClean="0"/>
               <a:pPr/>
-              <a:t>5/19/2025</a:t>
+              <a:t>5/20/2025</a:t>
             </a:fld>
             <a:endParaRPr lang="en-US"/>
           </a:p>
@@ -9598,6 +11721,496 @@
           <p:cNvPr id="2" name="Title 1">
             <a:extLst>
               <a:ext uri="{FF2B5EF4-FFF2-40B4-BE49-F238E27FC236}">
+                <a16:creationId xmlns:a16="http://schemas.microsoft.com/office/drawing/2014/main" id="{F6FE8DE2-95C7-FC05-D3E5-7C90F13943FD}"/>
+              </a:ext>
+            </a:extLst>
+          </p:cNvPr>
+          <p:cNvSpPr>
+            <a:spLocks noGrp="1"/>
+          </p:cNvSpPr>
+          <p:nvPr>
+            <p:ph type="title"/>
+          </p:nvPr>
+        </p:nvSpPr>
+        <p:spPr>
+          <a:xfrm>
+            <a:off x="1104900" y="206786"/>
+            <a:ext cx="9067800" cy="723659"/>
+          </a:xfrm>
+        </p:spPr>
+        <p:txBody>
+          <a:bodyPr>
+            <a:normAutofit/>
+          </a:bodyPr>
+          <a:lstStyle/>
+          <a:p>
+            <a:r>
+              <a:rPr lang="en-US" dirty="0"/>
+              <a:t>Data Transformation and Scaling</a:t>
+            </a:r>
+          </a:p>
+        </p:txBody>
+      </p:sp>
+      <p:sp>
+        <p:nvSpPr>
+          <p:cNvPr id="3" name="Content Placeholder 2">
+            <a:extLst>
+              <a:ext uri="{FF2B5EF4-FFF2-40B4-BE49-F238E27FC236}">
+                <a16:creationId xmlns:a16="http://schemas.microsoft.com/office/drawing/2014/main" id="{69F536A6-6A15-95C0-4F9F-1C6945E2AE8D}"/>
+              </a:ext>
+            </a:extLst>
+          </p:cNvPr>
+          <p:cNvSpPr>
+            <a:spLocks noGrp="1"/>
+          </p:cNvSpPr>
+          <p:nvPr>
+            <p:ph idx="1"/>
+          </p:nvPr>
+        </p:nvSpPr>
+        <p:spPr>
+          <a:xfrm>
+            <a:off x="1104900" y="1171074"/>
+            <a:ext cx="5247774" cy="497305"/>
+          </a:xfrm>
+        </p:spPr>
+        <p:txBody>
+          <a:bodyPr/>
+          <a:lstStyle/>
+          <a:p>
+            <a:r>
+              <a:rPr lang="en-US" dirty="0"/>
+              <a:t>First drop rows that have null values </a:t>
+            </a:r>
+          </a:p>
+          <a:p>
+            <a:pPr marL="0" indent="0">
+              <a:buNone/>
+            </a:pPr>
+            <a:endParaRPr lang="en-US" dirty="0"/>
+          </a:p>
+          <a:p>
+            <a:pPr marL="0" indent="0">
+              <a:buNone/>
+            </a:pPr>
+            <a:endParaRPr lang="en-US" dirty="0"/>
+          </a:p>
+        </p:txBody>
+      </p:sp>
+      <p:pic>
+        <p:nvPicPr>
+          <p:cNvPr id="6" name="Picture 5">
+            <a:extLst>
+              <a:ext uri="{FF2B5EF4-FFF2-40B4-BE49-F238E27FC236}">
+                <a16:creationId xmlns:a16="http://schemas.microsoft.com/office/drawing/2014/main" id="{3BD4FF24-18F9-6E66-9AA4-182F7E31DB3D}"/>
+              </a:ext>
+            </a:extLst>
+          </p:cNvPr>
+          <p:cNvPicPr>
+            <a:picLocks noChangeAspect="1"/>
+          </p:cNvPicPr>
+          <p:nvPr/>
+        </p:nvPicPr>
+        <p:blipFill>
+          <a:blip r:embed="rId3"/>
+          <a:stretch>
+            <a:fillRect/>
+          </a:stretch>
+        </p:blipFill>
+        <p:spPr>
+          <a:xfrm>
+            <a:off x="1015586" y="1748821"/>
+            <a:ext cx="5309878" cy="2239803"/>
+          </a:xfrm>
+          <a:prstGeom prst="rect">
+            <a:avLst/>
+          </a:prstGeom>
+        </p:spPr>
+      </p:pic>
+      <p:pic>
+        <p:nvPicPr>
+          <p:cNvPr id="8" name="Picture 7">
+            <a:extLst>
+              <a:ext uri="{FF2B5EF4-FFF2-40B4-BE49-F238E27FC236}">
+                <a16:creationId xmlns:a16="http://schemas.microsoft.com/office/drawing/2014/main" id="{ECED7956-D7BF-A063-2938-F2C03BCA981F}"/>
+              </a:ext>
+            </a:extLst>
+          </p:cNvPr>
+          <p:cNvPicPr>
+            <a:picLocks noChangeAspect="1"/>
+          </p:cNvPicPr>
+          <p:nvPr/>
+        </p:nvPicPr>
+        <p:blipFill>
+          <a:blip r:embed="rId4"/>
+          <a:stretch>
+            <a:fillRect/>
+          </a:stretch>
+        </p:blipFill>
+        <p:spPr>
+          <a:xfrm>
+            <a:off x="1021055" y="4278072"/>
+            <a:ext cx="5309878" cy="2210108"/>
+          </a:xfrm>
+          <a:prstGeom prst="rect">
+            <a:avLst/>
+          </a:prstGeom>
+        </p:spPr>
+      </p:pic>
+      <p:sp>
+        <p:nvSpPr>
+          <p:cNvPr id="10" name="TextBox 9">
+            <a:extLst>
+              <a:ext uri="{FF2B5EF4-FFF2-40B4-BE49-F238E27FC236}">
+                <a16:creationId xmlns:a16="http://schemas.microsoft.com/office/drawing/2014/main" id="{365D2A5D-6CB6-75FE-5715-B79C325367C7}"/>
+              </a:ext>
+            </a:extLst>
+          </p:cNvPr>
+          <p:cNvSpPr txBox="1"/>
+          <p:nvPr/>
+        </p:nvSpPr>
+        <p:spPr>
+          <a:xfrm>
+            <a:off x="6545178" y="1641447"/>
+            <a:ext cx="3627522" cy="3785652"/>
+          </a:xfrm>
+          <a:prstGeom prst="rect">
+            <a:avLst/>
+          </a:prstGeom>
+          <a:noFill/>
+          <a:ln>
+            <a:solidFill>
+              <a:schemeClr val="tx2">
+                <a:lumMod val="20000"/>
+                <a:lumOff val="80000"/>
+              </a:schemeClr>
+            </a:solidFill>
+          </a:ln>
+        </p:spPr>
+        <p:txBody>
+          <a:bodyPr wrap="square">
+            <a:spAutoFit/>
+          </a:bodyPr>
+          <a:lstStyle/>
+          <a:p>
+            <a:r>
+              <a:rPr lang="en-US" sz="2400" dirty="0"/>
+              <a:t>The value 1.820000e+02 is just scientific notation for 182.0, which means there are 182 rows in your dataset for the </a:t>
+            </a:r>
+            <a:r>
+              <a:rPr lang="en-US" sz="2400" dirty="0" err="1"/>
+              <a:t>fare_std</a:t>
+            </a:r>
+            <a:r>
+              <a:rPr lang="en-US" sz="2400" dirty="0"/>
+              <a:t> column.</a:t>
+            </a:r>
+          </a:p>
+          <a:p>
+            <a:endParaRPr lang="en-US" sz="2400" dirty="0"/>
+          </a:p>
+          <a:p>
+            <a:r>
+              <a:rPr lang="en-US" sz="2400" dirty="0"/>
+              <a:t>This matches the number of rows after dropping missing values.</a:t>
+            </a:r>
+          </a:p>
+        </p:txBody>
+      </p:sp>
+    </p:spTree>
+    <p:extLst>
+      <p:ext uri="{BB962C8B-B14F-4D97-AF65-F5344CB8AC3E}">
+        <p14:creationId xmlns:p14="http://schemas.microsoft.com/office/powerpoint/2010/main" val="2383978540"/>
+      </p:ext>
+    </p:extLst>
+  </p:cSld>
+  <p:clrMapOvr>
+    <a:masterClrMapping/>
+  </p:clrMapOvr>
+</p:sld>
+</file>
+
+<file path=ppt/slides/slide7.xml><?xml version="1.0" encoding="utf-8"?>
+<p:sld xmlns:a="http://schemas.openxmlformats.org/drawingml/2006/main" xmlns:r="http://schemas.openxmlformats.org/officeDocument/2006/relationships" xmlns:p="http://schemas.openxmlformats.org/presentationml/2006/main">
+  <p:cSld>
+    <p:spTree>
+      <p:nvGrpSpPr>
+        <p:cNvPr id="1" name=""/>
+        <p:cNvGrpSpPr/>
+        <p:nvPr/>
+      </p:nvGrpSpPr>
+      <p:grpSpPr>
+        <a:xfrm>
+          <a:off x="0" y="0"/>
+          <a:ext cx="0" cy="0"/>
+          <a:chOff x="0" y="0"/>
+          <a:chExt cx="0" cy="0"/>
+        </a:xfrm>
+      </p:grpSpPr>
+      <p:pic>
+        <p:nvPicPr>
+          <p:cNvPr id="7" name="Picture 6">
+            <a:extLst>
+              <a:ext uri="{FF2B5EF4-FFF2-40B4-BE49-F238E27FC236}">
+                <a16:creationId xmlns:a16="http://schemas.microsoft.com/office/drawing/2014/main" id="{F754E648-22C6-D279-1C4A-CFF04A8E0011}"/>
+              </a:ext>
+            </a:extLst>
+          </p:cNvPr>
+          <p:cNvPicPr>
+            <a:picLocks noChangeAspect="1"/>
+          </p:cNvPicPr>
+          <p:nvPr/>
+        </p:nvPicPr>
+        <p:blipFill>
+          <a:blip r:embed="rId3"/>
+          <a:stretch>
+            <a:fillRect/>
+          </a:stretch>
+        </p:blipFill>
+        <p:spPr>
+          <a:xfrm>
+            <a:off x="178059" y="3241763"/>
+            <a:ext cx="5868219" cy="3486637"/>
+          </a:xfrm>
+          <a:prstGeom prst="rect">
+            <a:avLst/>
+          </a:prstGeom>
+        </p:spPr>
+      </p:pic>
+      <p:pic>
+        <p:nvPicPr>
+          <p:cNvPr id="9" name="Picture 8">
+            <a:extLst>
+              <a:ext uri="{FF2B5EF4-FFF2-40B4-BE49-F238E27FC236}">
+                <a16:creationId xmlns:a16="http://schemas.microsoft.com/office/drawing/2014/main" id="{900F76D4-853A-64A2-EA5F-3CA6B2CA360B}"/>
+              </a:ext>
+            </a:extLst>
+          </p:cNvPr>
+          <p:cNvPicPr>
+            <a:picLocks noChangeAspect="1"/>
+          </p:cNvPicPr>
+          <p:nvPr/>
+        </p:nvPicPr>
+        <p:blipFill>
+          <a:blip r:embed="rId4"/>
+          <a:stretch>
+            <a:fillRect/>
+          </a:stretch>
+        </p:blipFill>
+        <p:spPr>
+          <a:xfrm>
+            <a:off x="6166525" y="115802"/>
+            <a:ext cx="5858693" cy="3610479"/>
+          </a:xfrm>
+          <a:prstGeom prst="rect">
+            <a:avLst/>
+          </a:prstGeom>
+        </p:spPr>
+      </p:pic>
+      <p:sp>
+        <p:nvSpPr>
+          <p:cNvPr id="12" name="TextBox 11">
+            <a:extLst>
+              <a:ext uri="{FF2B5EF4-FFF2-40B4-BE49-F238E27FC236}">
+                <a16:creationId xmlns:a16="http://schemas.microsoft.com/office/drawing/2014/main" id="{ABEF0FF0-03C9-F0B9-E36A-9D6F054AEB1B}"/>
+              </a:ext>
+            </a:extLst>
+          </p:cNvPr>
+          <p:cNvSpPr txBox="1"/>
+          <p:nvPr/>
+        </p:nvSpPr>
+        <p:spPr>
+          <a:xfrm>
+            <a:off x="1026694" y="406205"/>
+            <a:ext cx="4828673" cy="461665"/>
+          </a:xfrm>
+          <a:prstGeom prst="rect">
+            <a:avLst/>
+          </a:prstGeom>
+          <a:noFill/>
+          <a:ln>
+            <a:solidFill>
+              <a:schemeClr val="tx2">
+                <a:lumMod val="20000"/>
+                <a:lumOff val="80000"/>
+              </a:schemeClr>
+            </a:solidFill>
+          </a:ln>
+        </p:spPr>
+        <p:txBody>
+          <a:bodyPr wrap="square">
+            <a:spAutoFit/>
+          </a:bodyPr>
+          <a:lstStyle/>
+          <a:p>
+            <a:r>
+              <a:rPr lang="en-US" sz="2400" b="1" dirty="0"/>
+              <a:t>Comparison of scaling techniques</a:t>
+            </a:r>
+            <a:r>
+              <a:rPr lang="en-US" b="1" dirty="0"/>
+              <a:t>.</a:t>
+            </a:r>
+          </a:p>
+        </p:txBody>
+      </p:sp>
+      <p:sp>
+        <p:nvSpPr>
+          <p:cNvPr id="13" name="TextBox 12">
+            <a:extLst>
+              <a:ext uri="{FF2B5EF4-FFF2-40B4-BE49-F238E27FC236}">
+                <a16:creationId xmlns:a16="http://schemas.microsoft.com/office/drawing/2014/main" id="{2C84DA30-F077-A5D8-491B-264AD16DECDD}"/>
+              </a:ext>
+            </a:extLst>
+          </p:cNvPr>
+          <p:cNvSpPr txBox="1"/>
+          <p:nvPr/>
+        </p:nvSpPr>
+        <p:spPr>
+          <a:xfrm>
+            <a:off x="1179094" y="1392793"/>
+            <a:ext cx="4828673" cy="646331"/>
+          </a:xfrm>
+          <a:prstGeom prst="rect">
+            <a:avLst/>
+          </a:prstGeom>
+          <a:noFill/>
+          <a:ln>
+            <a:solidFill>
+              <a:schemeClr val="tx2">
+                <a:lumMod val="20000"/>
+                <a:lumOff val="80000"/>
+              </a:schemeClr>
+            </a:solidFill>
+          </a:ln>
+        </p:spPr>
+        <p:txBody>
+          <a:bodyPr wrap="square">
+            <a:spAutoFit/>
+          </a:bodyPr>
+          <a:lstStyle/>
+          <a:p>
+            <a:r>
+              <a:rPr lang="en-US"/>
+              <a:t>The original data does not show up on chart because the original values would not fit in range.</a:t>
+            </a:r>
+            <a:endParaRPr lang="en-US" dirty="0"/>
+          </a:p>
+        </p:txBody>
+      </p:sp>
+      <p:sp>
+        <p:nvSpPr>
+          <p:cNvPr id="16" name="TextBox 15">
+            <a:extLst>
+              <a:ext uri="{FF2B5EF4-FFF2-40B4-BE49-F238E27FC236}">
+                <a16:creationId xmlns:a16="http://schemas.microsoft.com/office/drawing/2014/main" id="{D89819EB-5A07-4FBB-BCB3-8ACFC8D8BA05}"/>
+              </a:ext>
+            </a:extLst>
+          </p:cNvPr>
+          <p:cNvSpPr txBox="1"/>
+          <p:nvPr/>
+        </p:nvSpPr>
+        <p:spPr>
+          <a:xfrm>
+            <a:off x="6046278" y="3630896"/>
+            <a:ext cx="5978940" cy="3170099"/>
+          </a:xfrm>
+          <a:prstGeom prst="rect">
+            <a:avLst/>
+          </a:prstGeom>
+          <a:noFill/>
+          <a:ln>
+            <a:solidFill>
+              <a:schemeClr val="tx2">
+                <a:lumMod val="20000"/>
+                <a:lumOff val="80000"/>
+              </a:schemeClr>
+            </a:solidFill>
+          </a:ln>
+        </p:spPr>
+        <p:txBody>
+          <a:bodyPr wrap="square" rtlCol="0" anchor="ctr" anchorCtr="1">
+            <a:spAutoFit/>
+          </a:bodyPr>
+          <a:lstStyle/>
+          <a:p>
+            <a:r>
+              <a:rPr lang="en-US" sz="2000" b="1" dirty="0"/>
+              <a:t>Negative Numbers?</a:t>
+            </a:r>
+          </a:p>
+          <a:p>
+            <a:endParaRPr lang="en-US" sz="2000" b="1" u="sng" dirty="0"/>
+          </a:p>
+          <a:p>
+            <a:r>
+              <a:rPr lang="en-US" sz="2000" b="1" u="sng" dirty="0" err="1"/>
+              <a:t>StandardScaler</a:t>
+            </a:r>
+            <a:r>
+              <a:rPr lang="en-US" sz="2000" dirty="0"/>
+              <a:t> centers data around zero, so negative values mean those ages are below the mean.</a:t>
+            </a:r>
+          </a:p>
+          <a:p>
+            <a:r>
+              <a:rPr lang="en-US" sz="2000" b="1" u="sng" dirty="0" err="1"/>
+              <a:t>RobustScale</a:t>
+            </a:r>
+            <a:r>
+              <a:rPr lang="en-US" sz="2000" dirty="0" err="1"/>
+              <a:t>r</a:t>
+            </a:r>
+            <a:r>
+              <a:rPr lang="en-US" sz="2000" dirty="0"/>
+              <a:t> centers data around the median and scales by the IQR, so negatives mean those ages are below the median.</a:t>
+            </a:r>
+          </a:p>
+          <a:p>
+            <a:endParaRPr lang="en-US" sz="2000" dirty="0"/>
+          </a:p>
+          <a:p>
+            <a:r>
+              <a:rPr lang="en-US" sz="2000" dirty="0"/>
+              <a:t>The original age column should never have negatives, but the scaled columns can. </a:t>
+            </a:r>
+          </a:p>
+        </p:txBody>
+      </p:sp>
+    </p:spTree>
+    <p:extLst>
+      <p:ext uri="{BB962C8B-B14F-4D97-AF65-F5344CB8AC3E}">
+        <p14:creationId xmlns:p14="http://schemas.microsoft.com/office/powerpoint/2010/main" val="3077088968"/>
+      </p:ext>
+    </p:extLst>
+  </p:cSld>
+  <p:clrMapOvr>
+    <a:masterClrMapping/>
+  </p:clrMapOvr>
+</p:sld>
+</file>
+
+<file path=ppt/slides/slide8.xml><?xml version="1.0" encoding="utf-8"?>
+<p:sld xmlns:a="http://schemas.openxmlformats.org/drawingml/2006/main" xmlns:r="http://schemas.openxmlformats.org/officeDocument/2006/relationships" xmlns:p="http://schemas.openxmlformats.org/presentationml/2006/main">
+  <p:cSld>
+    <p:spTree>
+      <p:nvGrpSpPr>
+        <p:cNvPr id="1" name=""/>
+        <p:cNvGrpSpPr/>
+        <p:nvPr/>
+      </p:nvGrpSpPr>
+      <p:grpSpPr>
+        <a:xfrm>
+          <a:off x="0" y="0"/>
+          <a:ext cx="0" cy="0"/>
+          <a:chOff x="0" y="0"/>
+          <a:chExt cx="0" cy="0"/>
+        </a:xfrm>
+      </p:grpSpPr>
+      <p:sp>
+        <p:nvSpPr>
+          <p:cNvPr id="2" name="Title 1">
+            <a:extLst>
+              <a:ext uri="{FF2B5EF4-FFF2-40B4-BE49-F238E27FC236}">
                 <a16:creationId xmlns:a16="http://schemas.microsoft.com/office/drawing/2014/main" id="{91A2E150-F945-4A52-8EE9-59CA4096A649}"/>
               </a:ext>
             </a:extLst>
@@ -9749,7 +12362,7 @@
 </p:sld>
 </file>
 
-<file path=ppt/slides/slide7.xml><?xml version="1.0" encoding="utf-8"?>
+<file path=ppt/slides/slide9.xml><?xml version="1.0" encoding="utf-8"?>
 <p:sld xmlns:a="http://schemas.openxmlformats.org/drawingml/2006/main" xmlns:r="http://schemas.openxmlformats.org/officeDocument/2006/relationships" xmlns:p="http://schemas.openxmlformats.org/presentationml/2006/main">
   <p:cSld>
     <p:spTree>
